--- a/extra/slides/ppt/photogrammetry/photogrammetry.pptx
+++ b/extra/slides/ppt/photogrammetry/photogrammetry.pptx
@@ -212,7 +212,7 @@
             <a:fld id="{A7B72033-589B-43AE-B8E1-AF9DC04A1F48}" type="datetimeFigureOut">
               <a:rPr lang="en-US" smtClean="0"/>
               <a:pPr/>
-              <a:t>1/22/2024</a:t>
+              <a:t>9/20/2024</a:t>
             </a:fld>
             <a:endParaRPr lang="en-US" dirty="0"/>
           </a:p>
@@ -631,7 +631,7 @@
           <a:p>
             <a:fld id="{C99BBB17-2D1A-4F24-B9AD-CEA35EC18396}" type="datetimeFigureOut">
               <a:rPr lang="en-US" smtClean="0"/>
-              <a:t>1/22/2024</a:t>
+              <a:t>9/20/2024</a:t>
             </a:fld>
             <a:endParaRPr lang="en-US"/>
           </a:p>
@@ -829,7 +829,7 @@
           <a:p>
             <a:fld id="{C99BBB17-2D1A-4F24-B9AD-CEA35EC18396}" type="datetimeFigureOut">
               <a:rPr lang="en-US" smtClean="0"/>
-              <a:t>1/22/2024</a:t>
+              <a:t>9/20/2024</a:t>
             </a:fld>
             <a:endParaRPr lang="en-US"/>
           </a:p>
@@ -1037,7 +1037,7 @@
           <a:p>
             <a:fld id="{C99BBB17-2D1A-4F24-B9AD-CEA35EC18396}" type="datetimeFigureOut">
               <a:rPr lang="en-US" smtClean="0"/>
-              <a:t>1/22/2024</a:t>
+              <a:t>9/20/2024</a:t>
             </a:fld>
             <a:endParaRPr lang="en-US"/>
           </a:p>
@@ -1235,7 +1235,7 @@
           <a:p>
             <a:fld id="{C99BBB17-2D1A-4F24-B9AD-CEA35EC18396}" type="datetimeFigureOut">
               <a:rPr lang="en-US" smtClean="0"/>
-              <a:t>1/22/2024</a:t>
+              <a:t>9/20/2024</a:t>
             </a:fld>
             <a:endParaRPr lang="en-US"/>
           </a:p>
@@ -1510,7 +1510,7 @@
           <a:p>
             <a:fld id="{C99BBB17-2D1A-4F24-B9AD-CEA35EC18396}" type="datetimeFigureOut">
               <a:rPr lang="en-US" smtClean="0"/>
-              <a:t>1/22/2024</a:t>
+              <a:t>9/20/2024</a:t>
             </a:fld>
             <a:endParaRPr lang="en-US"/>
           </a:p>
@@ -1775,7 +1775,7 @@
           <a:p>
             <a:fld id="{C99BBB17-2D1A-4F24-B9AD-CEA35EC18396}" type="datetimeFigureOut">
               <a:rPr lang="en-US" smtClean="0"/>
-              <a:t>1/22/2024</a:t>
+              <a:t>9/20/2024</a:t>
             </a:fld>
             <a:endParaRPr lang="en-US"/>
           </a:p>
@@ -2187,7 +2187,7 @@
           <a:p>
             <a:fld id="{C99BBB17-2D1A-4F24-B9AD-CEA35EC18396}" type="datetimeFigureOut">
               <a:rPr lang="en-US" smtClean="0"/>
-              <a:t>1/22/2024</a:t>
+              <a:t>9/20/2024</a:t>
             </a:fld>
             <a:endParaRPr lang="en-US"/>
           </a:p>
@@ -2328,7 +2328,7 @@
           <a:p>
             <a:fld id="{C99BBB17-2D1A-4F24-B9AD-CEA35EC18396}" type="datetimeFigureOut">
               <a:rPr lang="en-US" smtClean="0"/>
-              <a:t>1/22/2024</a:t>
+              <a:t>9/20/2024</a:t>
             </a:fld>
             <a:endParaRPr lang="en-US"/>
           </a:p>
@@ -2441,7 +2441,7 @@
           <a:p>
             <a:fld id="{C99BBB17-2D1A-4F24-B9AD-CEA35EC18396}" type="datetimeFigureOut">
               <a:rPr lang="en-US" smtClean="0"/>
-              <a:t>1/22/2024</a:t>
+              <a:t>9/20/2024</a:t>
             </a:fld>
             <a:endParaRPr lang="en-US"/>
           </a:p>
@@ -2752,7 +2752,7 @@
           <a:p>
             <a:fld id="{C99BBB17-2D1A-4F24-B9AD-CEA35EC18396}" type="datetimeFigureOut">
               <a:rPr lang="en-US" smtClean="0"/>
-              <a:t>1/22/2024</a:t>
+              <a:t>9/20/2024</a:t>
             </a:fld>
             <a:endParaRPr lang="en-US"/>
           </a:p>
@@ -3040,7 +3040,7 @@
           <a:p>
             <a:fld id="{C99BBB17-2D1A-4F24-B9AD-CEA35EC18396}" type="datetimeFigureOut">
               <a:rPr lang="en-US" smtClean="0"/>
-              <a:t>1/22/2024</a:t>
+              <a:t>9/20/2024</a:t>
             </a:fld>
             <a:endParaRPr lang="en-US"/>
           </a:p>
@@ -3283,7 +3283,7 @@
             <a:fld id="{C99BBB17-2D1A-4F24-B9AD-CEA35EC18396}" type="datetimeFigureOut">
               <a:rPr lang="en-US" smtClean="0"/>
               <a:pPr/>
-              <a:t>1/22/2024</a:t>
+              <a:t>9/20/2024</a:t>
             </a:fld>
             <a:endParaRPr lang="en-US" dirty="0"/>
           </a:p>
@@ -4546,10 +4546,10 @@
       </p:sp>
       <p:grpSp>
         <p:nvGrpSpPr>
-          <p:cNvPr id="23" name="Group 22">
-            <a:extLst>
-              <a:ext uri="{FF2B5EF4-FFF2-40B4-BE49-F238E27FC236}">
-                <a16:creationId xmlns:a16="http://schemas.microsoft.com/office/drawing/2014/main" id="{5C8CC107-8B6F-2BA8-A951-E8276E1CAFC8}"/>
+          <p:cNvPr id="2" name="Group 1">
+            <a:extLst>
+              <a:ext uri="{FF2B5EF4-FFF2-40B4-BE49-F238E27FC236}">
+                <a16:creationId xmlns:a16="http://schemas.microsoft.com/office/drawing/2014/main" id="{EFEA8598-F65F-C9B2-4971-A184F454BD45}"/>
               </a:ext>
             </a:extLst>
           </p:cNvPr>
@@ -4558,65 +4558,23 @@
         </p:nvGrpSpPr>
         <p:grpSpPr>
           <a:xfrm>
-            <a:off x="42671" y="6443508"/>
-            <a:ext cx="12006913" cy="385818"/>
-            <a:chOff x="42671" y="6443508"/>
-            <a:chExt cx="12006913" cy="385818"/>
+            <a:off x="9704900" y="6443508"/>
+            <a:ext cx="2344684" cy="333050"/>
+            <a:chOff x="9704900" y="6443508"/>
+            <a:chExt cx="2344684" cy="333050"/>
           </a:xfrm>
         </p:grpSpPr>
-        <p:sp>
-          <p:nvSpPr>
-            <p:cNvPr id="24" name="TextBox 23">
+        <p:pic>
+          <p:nvPicPr>
+            <p:cNvPr id="3" name="Picture 2" descr="UNIS - The university centre in Svalbard">
               <a:extLst>
                 <a:ext uri="{FF2B5EF4-FFF2-40B4-BE49-F238E27FC236}">
-                  <a16:creationId xmlns:a16="http://schemas.microsoft.com/office/drawing/2014/main" id="{1B538703-361B-3F8B-537E-BBCFEBB6CACC}"/>
-                </a:ext>
-              </a:extLst>
-            </p:cNvPr>
-            <p:cNvSpPr txBox="1"/>
-            <p:nvPr/>
-          </p:nvSpPr>
-          <p:spPr>
-            <a:xfrm>
-              <a:off x="854075" y="6521549"/>
-              <a:ext cx="3805382" cy="307777"/>
-            </a:xfrm>
-            <a:prstGeom prst="rect">
-              <a:avLst/>
-            </a:prstGeom>
-            <a:noFill/>
-          </p:spPr>
-          <p:txBody>
-            <a:bodyPr wrap="square" rtlCol="0">
-              <a:spAutoFit/>
-            </a:bodyPr>
-            <a:lstStyle/>
-            <a:p>
-              <a:r>
-                <a:rPr lang="nb-NO" sz="1400" i="1" dirty="0">
-                  <a:latin typeface="Arial" panose="020B0604020202020204" pitchFamily="34" charset="0"/>
-                  <a:cs typeface="Arial" panose="020B0604020202020204" pitchFamily="34" charset="0"/>
-                </a:rPr>
-                <a:t>FAIR digital documentation &amp; teaching</a:t>
-              </a:r>
-              <a:endParaRPr lang="en-US" sz="1400" i="1" dirty="0">
-                <a:latin typeface="Arial" panose="020B0604020202020204" pitchFamily="34" charset="0"/>
-                <a:cs typeface="Arial" panose="020B0604020202020204" pitchFamily="34" charset="0"/>
-              </a:endParaRPr>
-            </a:p>
-          </p:txBody>
-        </p:sp>
-        <p:pic>
-          <p:nvPicPr>
-            <p:cNvPr id="25" name="Picture 24" descr="A screenshot of a video game&#10;&#10;Description automatically generated">
-              <a:extLst>
-                <a:ext uri="{FF2B5EF4-FFF2-40B4-BE49-F238E27FC236}">
-                  <a16:creationId xmlns:a16="http://schemas.microsoft.com/office/drawing/2014/main" id="{5F21D3D7-314B-1C6E-B50E-93CFE61D5082}"/>
+                  <a16:creationId xmlns:a16="http://schemas.microsoft.com/office/drawing/2014/main" id="{E82EA9D8-FBE7-ECBF-FE26-E7A641EA1631}"/>
                 </a:ext>
               </a:extLst>
             </p:cNvPr>
             <p:cNvPicPr>
-              <a:picLocks noChangeAspect="1"/>
+              <a:picLocks noChangeAspect="1" noChangeArrowheads="1"/>
             </p:cNvPicPr>
             <p:nvPr/>
           </p:nvPicPr>
@@ -4628,26 +4586,37 @@
                 </a:ext>
               </a:extLst>
             </a:blip>
+            <a:srcRect/>
             <a:stretch>
               <a:fillRect/>
             </a:stretch>
           </p:blipFill>
-          <p:spPr>
+          <p:spPr bwMode="auto">
             <a:xfrm>
-              <a:off x="42671" y="6563571"/>
-              <a:ext cx="876716" cy="230005"/>
+              <a:off x="10413848" y="6443508"/>
+              <a:ext cx="1210145" cy="326740"/>
             </a:xfrm>
             <a:prstGeom prst="rect">
               <a:avLst/>
             </a:prstGeom>
+            <a:noFill/>
+            <a:extLst>
+              <a:ext uri="{909E8E84-426E-40DD-AFC4-6F175D3DCCD1}">
+                <a14:hiddenFill xmlns:a14="http://schemas.microsoft.com/office/drawing/2010/main">
+                  <a:solidFill>
+                    <a:srgbClr val="FFFFFF"/>
+                  </a:solidFill>
+                </a14:hiddenFill>
+              </a:ext>
+            </a:extLst>
           </p:spPr>
         </p:pic>
         <p:pic>
           <p:nvPicPr>
-            <p:cNvPr id="26" name="Picture 2" descr="UNIS - The university centre in Svalbard">
+            <p:cNvPr id="11" name="Picture 2" descr="Site is undergoing maintenance">
               <a:extLst>
                 <a:ext uri="{FF2B5EF4-FFF2-40B4-BE49-F238E27FC236}">
-                  <a16:creationId xmlns:a16="http://schemas.microsoft.com/office/drawing/2014/main" id="{3FBB4A11-E9C3-D45E-8EDE-6CF34C32E59B}"/>
+                  <a16:creationId xmlns:a16="http://schemas.microsoft.com/office/drawing/2014/main" id="{3B0FE703-A8A1-9A22-B9F8-C9EAD1BC89D2}"/>
                 </a:ext>
               </a:extLst>
             </p:cNvPr>
@@ -4671,8 +4640,8 @@
           </p:blipFill>
           <p:spPr bwMode="auto">
             <a:xfrm>
-              <a:off x="10413848" y="6443508"/>
-              <a:ext cx="1210145" cy="326740"/>
+              <a:off x="11766409" y="6449818"/>
+              <a:ext cx="283175" cy="326740"/>
             </a:xfrm>
             <a:prstGeom prst="rect">
               <a:avLst/>
@@ -4691,15 +4660,15 @@
         </p:pic>
         <p:pic>
           <p:nvPicPr>
-            <p:cNvPr id="27" name="Picture 2" descr="Site is undergoing maintenance">
+            <p:cNvPr id="14" name="Picture 13" descr="A black background with grey letters and a red triangle&#10;&#10;Description automatically generated">
               <a:extLst>
                 <a:ext uri="{FF2B5EF4-FFF2-40B4-BE49-F238E27FC236}">
-                  <a16:creationId xmlns:a16="http://schemas.microsoft.com/office/drawing/2014/main" id="{A9B52DA7-A2A2-0059-A038-02CDC274F002}"/>
+                  <a16:creationId xmlns:a16="http://schemas.microsoft.com/office/drawing/2014/main" id="{44469DFC-1BC2-72A1-EA44-3C5D207CC87C}"/>
                 </a:ext>
               </a:extLst>
             </p:cNvPr>
             <p:cNvPicPr>
-              <a:picLocks noChangeAspect="1" noChangeArrowheads="1"/>
+              <a:picLocks noChangeAspect="1"/>
             </p:cNvPicPr>
             <p:nvPr/>
           </p:nvPicPr>
@@ -4711,29 +4680,18 @@
                 </a:ext>
               </a:extLst>
             </a:blip>
-            <a:srcRect/>
             <a:stretch>
               <a:fillRect/>
             </a:stretch>
           </p:blipFill>
-          <p:spPr bwMode="auto">
+          <p:spPr>
             <a:xfrm>
-              <a:off x="11766409" y="6449818"/>
-              <a:ext cx="283175" cy="326740"/>
+              <a:off x="9704900" y="6486750"/>
+              <a:ext cx="580285" cy="270414"/>
             </a:xfrm>
             <a:prstGeom prst="rect">
               <a:avLst/>
             </a:prstGeom>
-            <a:noFill/>
-            <a:extLst>
-              <a:ext uri="{909E8E84-426E-40DD-AFC4-6F175D3DCCD1}">
-                <a14:hiddenFill xmlns:a14="http://schemas.microsoft.com/office/drawing/2010/main">
-                  <a:solidFill>
-                    <a:srgbClr val="FFFFFF"/>
-                  </a:solidFill>
-                </a14:hiddenFill>
-              </a:ext>
-            </a:extLst>
           </p:spPr>
         </p:pic>
       </p:grpSp>
@@ -5517,199 +5475,6 @@
           </a:p>
         </p:txBody>
       </p:sp>
-      <p:grpSp>
-        <p:nvGrpSpPr>
-          <p:cNvPr id="23" name="Group 22">
-            <a:extLst>
-              <a:ext uri="{FF2B5EF4-FFF2-40B4-BE49-F238E27FC236}">
-                <a16:creationId xmlns:a16="http://schemas.microsoft.com/office/drawing/2014/main" id="{5C8CC107-8B6F-2BA8-A951-E8276E1CAFC8}"/>
-              </a:ext>
-            </a:extLst>
-          </p:cNvPr>
-          <p:cNvGrpSpPr/>
-          <p:nvPr/>
-        </p:nvGrpSpPr>
-        <p:grpSpPr>
-          <a:xfrm>
-            <a:off x="42671" y="6443508"/>
-            <a:ext cx="12006913" cy="385818"/>
-            <a:chOff x="42671" y="6443508"/>
-            <a:chExt cx="12006913" cy="385818"/>
-          </a:xfrm>
-        </p:grpSpPr>
-        <p:sp>
-          <p:nvSpPr>
-            <p:cNvPr id="24" name="TextBox 23">
-              <a:extLst>
-                <a:ext uri="{FF2B5EF4-FFF2-40B4-BE49-F238E27FC236}">
-                  <a16:creationId xmlns:a16="http://schemas.microsoft.com/office/drawing/2014/main" id="{1B538703-361B-3F8B-537E-BBCFEBB6CACC}"/>
-                </a:ext>
-              </a:extLst>
-            </p:cNvPr>
-            <p:cNvSpPr txBox="1"/>
-            <p:nvPr/>
-          </p:nvSpPr>
-          <p:spPr>
-            <a:xfrm>
-              <a:off x="854075" y="6521549"/>
-              <a:ext cx="3805382" cy="307777"/>
-            </a:xfrm>
-            <a:prstGeom prst="rect">
-              <a:avLst/>
-            </a:prstGeom>
-            <a:noFill/>
-          </p:spPr>
-          <p:txBody>
-            <a:bodyPr wrap="square" rtlCol="0">
-              <a:spAutoFit/>
-            </a:bodyPr>
-            <a:lstStyle/>
-            <a:p>
-              <a:r>
-                <a:rPr lang="nb-NO" sz="1400" i="1" dirty="0">
-                  <a:latin typeface="Arial" panose="020B0604020202020204" pitchFamily="34" charset="0"/>
-                  <a:cs typeface="Arial" panose="020B0604020202020204" pitchFamily="34" charset="0"/>
-                </a:rPr>
-                <a:t>FAIR digital documentation &amp; teaching</a:t>
-              </a:r>
-              <a:endParaRPr lang="en-US" sz="1400" i="1" dirty="0">
-                <a:latin typeface="Arial" panose="020B0604020202020204" pitchFamily="34" charset="0"/>
-                <a:cs typeface="Arial" panose="020B0604020202020204" pitchFamily="34" charset="0"/>
-              </a:endParaRPr>
-            </a:p>
-          </p:txBody>
-        </p:sp>
-        <p:pic>
-          <p:nvPicPr>
-            <p:cNvPr id="25" name="Picture 24" descr="A screenshot of a video game&#10;&#10;Description automatically generated">
-              <a:extLst>
-                <a:ext uri="{FF2B5EF4-FFF2-40B4-BE49-F238E27FC236}">
-                  <a16:creationId xmlns:a16="http://schemas.microsoft.com/office/drawing/2014/main" id="{5F21D3D7-314B-1C6E-B50E-93CFE61D5082}"/>
-                </a:ext>
-              </a:extLst>
-            </p:cNvPr>
-            <p:cNvPicPr>
-              <a:picLocks noChangeAspect="1"/>
-            </p:cNvPicPr>
-            <p:nvPr/>
-          </p:nvPicPr>
-          <p:blipFill>
-            <a:blip r:embed="rId2">
-              <a:extLst>
-                <a:ext uri="{28A0092B-C50C-407E-A947-70E740481C1C}">
-                  <a14:useLocalDpi xmlns:a14="http://schemas.microsoft.com/office/drawing/2010/main" val="0"/>
-                </a:ext>
-              </a:extLst>
-            </a:blip>
-            <a:stretch>
-              <a:fillRect/>
-            </a:stretch>
-          </p:blipFill>
-          <p:spPr>
-            <a:xfrm>
-              <a:off x="42671" y="6563571"/>
-              <a:ext cx="876716" cy="230005"/>
-            </a:xfrm>
-            <a:prstGeom prst="rect">
-              <a:avLst/>
-            </a:prstGeom>
-          </p:spPr>
-        </p:pic>
-        <p:pic>
-          <p:nvPicPr>
-            <p:cNvPr id="26" name="Picture 2" descr="UNIS - The university centre in Svalbard">
-              <a:extLst>
-                <a:ext uri="{FF2B5EF4-FFF2-40B4-BE49-F238E27FC236}">
-                  <a16:creationId xmlns:a16="http://schemas.microsoft.com/office/drawing/2014/main" id="{3FBB4A11-E9C3-D45E-8EDE-6CF34C32E59B}"/>
-                </a:ext>
-              </a:extLst>
-            </p:cNvPr>
-            <p:cNvPicPr>
-              <a:picLocks noChangeAspect="1" noChangeArrowheads="1"/>
-            </p:cNvPicPr>
-            <p:nvPr/>
-          </p:nvPicPr>
-          <p:blipFill>
-            <a:blip r:embed="rId3">
-              <a:extLst>
-                <a:ext uri="{28A0092B-C50C-407E-A947-70E740481C1C}">
-                  <a14:useLocalDpi xmlns:a14="http://schemas.microsoft.com/office/drawing/2010/main" val="0"/>
-                </a:ext>
-              </a:extLst>
-            </a:blip>
-            <a:srcRect/>
-            <a:stretch>
-              <a:fillRect/>
-            </a:stretch>
-          </p:blipFill>
-          <p:spPr bwMode="auto">
-            <a:xfrm>
-              <a:off x="10413848" y="6443508"/>
-              <a:ext cx="1210145" cy="326740"/>
-            </a:xfrm>
-            <a:prstGeom prst="rect">
-              <a:avLst/>
-            </a:prstGeom>
-            <a:noFill/>
-            <a:extLst>
-              <a:ext uri="{909E8E84-426E-40DD-AFC4-6F175D3DCCD1}">
-                <a14:hiddenFill xmlns:a14="http://schemas.microsoft.com/office/drawing/2010/main">
-                  <a:solidFill>
-                    <a:srgbClr val="FFFFFF"/>
-                  </a:solidFill>
-                </a14:hiddenFill>
-              </a:ext>
-            </a:extLst>
-          </p:spPr>
-        </p:pic>
-        <p:pic>
-          <p:nvPicPr>
-            <p:cNvPr id="27" name="Picture 2" descr="Site is undergoing maintenance">
-              <a:extLst>
-                <a:ext uri="{FF2B5EF4-FFF2-40B4-BE49-F238E27FC236}">
-                  <a16:creationId xmlns:a16="http://schemas.microsoft.com/office/drawing/2014/main" id="{A9B52DA7-A2A2-0059-A038-02CDC274F002}"/>
-                </a:ext>
-              </a:extLst>
-            </p:cNvPr>
-            <p:cNvPicPr>
-              <a:picLocks noChangeAspect="1" noChangeArrowheads="1"/>
-            </p:cNvPicPr>
-            <p:nvPr/>
-          </p:nvPicPr>
-          <p:blipFill>
-            <a:blip r:embed="rId4">
-              <a:extLst>
-                <a:ext uri="{28A0092B-C50C-407E-A947-70E740481C1C}">
-                  <a14:useLocalDpi xmlns:a14="http://schemas.microsoft.com/office/drawing/2010/main" val="0"/>
-                </a:ext>
-              </a:extLst>
-            </a:blip>
-            <a:srcRect/>
-            <a:stretch>
-              <a:fillRect/>
-            </a:stretch>
-          </p:blipFill>
-          <p:spPr bwMode="auto">
-            <a:xfrm>
-              <a:off x="11766409" y="6449818"/>
-              <a:ext cx="283175" cy="326740"/>
-            </a:xfrm>
-            <a:prstGeom prst="rect">
-              <a:avLst/>
-            </a:prstGeom>
-            <a:noFill/>
-            <a:extLst>
-              <a:ext uri="{909E8E84-426E-40DD-AFC4-6F175D3DCCD1}">
-                <a14:hiddenFill xmlns:a14="http://schemas.microsoft.com/office/drawing/2010/main">
-                  <a:solidFill>
-                    <a:srgbClr val="FFFFFF"/>
-                  </a:solidFill>
-                </a14:hiddenFill>
-              </a:ext>
-            </a:extLst>
-          </p:spPr>
-        </p:pic>
-      </p:grpSp>
       <p:sp>
         <p:nvSpPr>
           <p:cNvPr id="2" name="Title 1">
@@ -5761,7 +5526,7 @@
           <p:nvPr/>
         </p:nvPicPr>
         <p:blipFill>
-          <a:blip r:embed="rId5">
+          <a:blip r:embed="rId2">
             <a:extLst>
               <a:ext uri="{28A0092B-C50C-407E-A947-70E740481C1C}">
                 <a14:useLocalDpi xmlns:a14="http://schemas.microsoft.com/office/drawing/2010/main" val="0"/>
@@ -5808,7 +5573,7 @@
           <p:nvPr/>
         </p:nvPicPr>
         <p:blipFill>
-          <a:blip r:embed="rId6">
+          <a:blip r:embed="rId3">
             <a:extLst>
               <a:ext uri="{28A0092B-C50C-407E-A947-70E740481C1C}">
                 <a14:useLocalDpi xmlns:a14="http://schemas.microsoft.com/office/drawing/2010/main" val="0"/>
@@ -5855,7 +5620,7 @@
           <p:nvPr/>
         </p:nvPicPr>
         <p:blipFill>
-          <a:blip r:embed="rId7">
+          <a:blip r:embed="rId4">
             <a:extLst>
               <a:ext uri="{28A0092B-C50C-407E-A947-70E740481C1C}">
                 <a14:useLocalDpi xmlns:a14="http://schemas.microsoft.com/office/drawing/2010/main" val="0"/>
@@ -5902,7 +5667,7 @@
           <p:nvPr/>
         </p:nvPicPr>
         <p:blipFill>
-          <a:blip r:embed="rId8">
+          <a:blip r:embed="rId5">
             <a:extLst>
               <a:ext uri="{28A0092B-C50C-407E-A947-70E740481C1C}">
                 <a14:useLocalDpi xmlns:a14="http://schemas.microsoft.com/office/drawing/2010/main" val="0"/>
@@ -5949,7 +5714,7 @@
           <p:nvPr/>
         </p:nvPicPr>
         <p:blipFill>
-          <a:blip r:embed="rId9">
+          <a:blip r:embed="rId6">
             <a:extLst>
               <a:ext uri="{28A0092B-C50C-407E-A947-70E740481C1C}">
                 <a14:useLocalDpi xmlns:a14="http://schemas.microsoft.com/office/drawing/2010/main" val="0"/>
@@ -5996,7 +5761,7 @@
           <p:nvPr/>
         </p:nvPicPr>
         <p:blipFill>
-          <a:blip r:embed="rId10">
+          <a:blip r:embed="rId7">
             <a:extLst>
               <a:ext uri="{28A0092B-C50C-407E-A947-70E740481C1C}">
                 <a14:useLocalDpi xmlns:a14="http://schemas.microsoft.com/office/drawing/2010/main" val="0"/>
@@ -6028,6 +5793,157 @@
           </a:extLst>
         </p:spPr>
       </p:pic>
+      <p:grpSp>
+        <p:nvGrpSpPr>
+          <p:cNvPr id="3" name="Group 2">
+            <a:extLst>
+              <a:ext uri="{FF2B5EF4-FFF2-40B4-BE49-F238E27FC236}">
+                <a16:creationId xmlns:a16="http://schemas.microsoft.com/office/drawing/2014/main" id="{D5B25912-9C72-3331-B2AA-666032AD0397}"/>
+              </a:ext>
+            </a:extLst>
+          </p:cNvPr>
+          <p:cNvGrpSpPr/>
+          <p:nvPr/>
+        </p:nvGrpSpPr>
+        <p:grpSpPr>
+          <a:xfrm>
+            <a:off x="9704900" y="6443508"/>
+            <a:ext cx="2344684" cy="333050"/>
+            <a:chOff x="9704900" y="6443508"/>
+            <a:chExt cx="2344684" cy="333050"/>
+          </a:xfrm>
+        </p:grpSpPr>
+        <p:pic>
+          <p:nvPicPr>
+            <p:cNvPr id="11" name="Picture 2" descr="UNIS - The university centre in Svalbard">
+              <a:extLst>
+                <a:ext uri="{FF2B5EF4-FFF2-40B4-BE49-F238E27FC236}">
+                  <a16:creationId xmlns:a16="http://schemas.microsoft.com/office/drawing/2014/main" id="{3305E2C3-7B91-3BD9-E763-A503275487E6}"/>
+                </a:ext>
+              </a:extLst>
+            </p:cNvPr>
+            <p:cNvPicPr>
+              <a:picLocks noChangeAspect="1" noChangeArrowheads="1"/>
+            </p:cNvPicPr>
+            <p:nvPr/>
+          </p:nvPicPr>
+          <p:blipFill>
+            <a:blip r:embed="rId8">
+              <a:extLst>
+                <a:ext uri="{28A0092B-C50C-407E-A947-70E740481C1C}">
+                  <a14:useLocalDpi xmlns:a14="http://schemas.microsoft.com/office/drawing/2010/main" val="0"/>
+                </a:ext>
+              </a:extLst>
+            </a:blip>
+            <a:srcRect/>
+            <a:stretch>
+              <a:fillRect/>
+            </a:stretch>
+          </p:blipFill>
+          <p:spPr bwMode="auto">
+            <a:xfrm>
+              <a:off x="10413848" y="6443508"/>
+              <a:ext cx="1210145" cy="326740"/>
+            </a:xfrm>
+            <a:prstGeom prst="rect">
+              <a:avLst/>
+            </a:prstGeom>
+            <a:noFill/>
+            <a:extLst>
+              <a:ext uri="{909E8E84-426E-40DD-AFC4-6F175D3DCCD1}">
+                <a14:hiddenFill xmlns:a14="http://schemas.microsoft.com/office/drawing/2010/main">
+                  <a:solidFill>
+                    <a:srgbClr val="FFFFFF"/>
+                  </a:solidFill>
+                </a14:hiddenFill>
+              </a:ext>
+            </a:extLst>
+          </p:spPr>
+        </p:pic>
+        <p:pic>
+          <p:nvPicPr>
+            <p:cNvPr id="12" name="Picture 2" descr="Site is undergoing maintenance">
+              <a:extLst>
+                <a:ext uri="{FF2B5EF4-FFF2-40B4-BE49-F238E27FC236}">
+                  <a16:creationId xmlns:a16="http://schemas.microsoft.com/office/drawing/2014/main" id="{6304A2D5-88EC-1DBC-5086-4FEE35FF2B48}"/>
+                </a:ext>
+              </a:extLst>
+            </p:cNvPr>
+            <p:cNvPicPr>
+              <a:picLocks noChangeAspect="1" noChangeArrowheads="1"/>
+            </p:cNvPicPr>
+            <p:nvPr/>
+          </p:nvPicPr>
+          <p:blipFill>
+            <a:blip r:embed="rId9">
+              <a:extLst>
+                <a:ext uri="{28A0092B-C50C-407E-A947-70E740481C1C}">
+                  <a14:useLocalDpi xmlns:a14="http://schemas.microsoft.com/office/drawing/2010/main" val="0"/>
+                </a:ext>
+              </a:extLst>
+            </a:blip>
+            <a:srcRect/>
+            <a:stretch>
+              <a:fillRect/>
+            </a:stretch>
+          </p:blipFill>
+          <p:spPr bwMode="auto">
+            <a:xfrm>
+              <a:off x="11766409" y="6449818"/>
+              <a:ext cx="283175" cy="326740"/>
+            </a:xfrm>
+            <a:prstGeom prst="rect">
+              <a:avLst/>
+            </a:prstGeom>
+            <a:noFill/>
+            <a:extLst>
+              <a:ext uri="{909E8E84-426E-40DD-AFC4-6F175D3DCCD1}">
+                <a14:hiddenFill xmlns:a14="http://schemas.microsoft.com/office/drawing/2010/main">
+                  <a:solidFill>
+                    <a:srgbClr val="FFFFFF"/>
+                  </a:solidFill>
+                </a14:hiddenFill>
+              </a:ext>
+            </a:extLst>
+          </p:spPr>
+        </p:pic>
+        <p:pic>
+          <p:nvPicPr>
+            <p:cNvPr id="14" name="Picture 13" descr="A black background with grey letters and a red triangle&#10;&#10;Description automatically generated">
+              <a:extLst>
+                <a:ext uri="{FF2B5EF4-FFF2-40B4-BE49-F238E27FC236}">
+                  <a16:creationId xmlns:a16="http://schemas.microsoft.com/office/drawing/2014/main" id="{7202A4CA-FE63-A5CC-18CD-9ABBCAE4D15F}"/>
+                </a:ext>
+              </a:extLst>
+            </p:cNvPr>
+            <p:cNvPicPr>
+              <a:picLocks noChangeAspect="1"/>
+            </p:cNvPicPr>
+            <p:nvPr/>
+          </p:nvPicPr>
+          <p:blipFill>
+            <a:blip r:embed="rId10">
+              <a:extLst>
+                <a:ext uri="{28A0092B-C50C-407E-A947-70E740481C1C}">
+                  <a14:useLocalDpi xmlns:a14="http://schemas.microsoft.com/office/drawing/2010/main" val="0"/>
+                </a:ext>
+              </a:extLst>
+            </a:blip>
+            <a:stretch>
+              <a:fillRect/>
+            </a:stretch>
+          </p:blipFill>
+          <p:spPr>
+            <a:xfrm>
+              <a:off x="9704900" y="6486750"/>
+              <a:ext cx="580285" cy="270414"/>
+            </a:xfrm>
+            <a:prstGeom prst="rect">
+              <a:avLst/>
+            </a:prstGeom>
+          </p:spPr>
+        </p:pic>
+      </p:grpSp>
     </p:spTree>
     <p:extLst>
       <p:ext uri="{BB962C8B-B14F-4D97-AF65-F5344CB8AC3E}">
@@ -6808,12 +6724,174 @@
           </a:p>
         </p:txBody>
       </p:sp>
+      <p:sp>
+        <p:nvSpPr>
+          <p:cNvPr id="2" name="Title 1">
+            <a:extLst>
+              <a:ext uri="{FF2B5EF4-FFF2-40B4-BE49-F238E27FC236}">
+                <a16:creationId xmlns:a16="http://schemas.microsoft.com/office/drawing/2014/main" id="{044D5C86-6C13-B385-18EB-CE82554A07BC}"/>
+              </a:ext>
+            </a:extLst>
+          </p:cNvPr>
+          <p:cNvSpPr>
+            <a:spLocks noGrp="1"/>
+          </p:cNvSpPr>
+          <p:nvPr>
+            <p:ph type="title"/>
+          </p:nvPr>
+        </p:nvSpPr>
+        <p:spPr>
+          <a:xfrm>
+            <a:off x="1676400" y="-7563"/>
+            <a:ext cx="10515600" cy="1325563"/>
+          </a:xfrm>
+        </p:spPr>
+        <p:txBody>
+          <a:bodyPr>
+            <a:normAutofit/>
+          </a:bodyPr>
+          <a:lstStyle/>
+          <a:p>
+            <a:r>
+              <a:rPr lang="nb-NO" sz="3600" dirty="0"/>
+              <a:t>Photogrammetry workflow</a:t>
+            </a:r>
+            <a:endParaRPr lang="en-US" sz="3600" dirty="0"/>
+          </a:p>
+        </p:txBody>
+      </p:sp>
+      <p:sp>
+        <p:nvSpPr>
+          <p:cNvPr id="16" name="Content Placeholder 15">
+            <a:extLst>
+              <a:ext uri="{FF2B5EF4-FFF2-40B4-BE49-F238E27FC236}">
+                <a16:creationId xmlns:a16="http://schemas.microsoft.com/office/drawing/2014/main" id="{F0EBAB87-7F21-FF9A-9865-FBBE8D2E14EC}"/>
+              </a:ext>
+            </a:extLst>
+          </p:cNvPr>
+          <p:cNvSpPr>
+            <a:spLocks noGrp="1"/>
+          </p:cNvSpPr>
+          <p:nvPr>
+            <p:ph idx="1"/>
+          </p:nvPr>
+        </p:nvSpPr>
+        <p:spPr>
+          <a:xfrm>
+            <a:off x="838200" y="1825625"/>
+            <a:ext cx="10515600" cy="4351338"/>
+          </a:xfrm>
+        </p:spPr>
+        <p:txBody>
+          <a:bodyPr/>
+          <a:lstStyle/>
+          <a:p>
+            <a:r>
+              <a:rPr lang="en-US" dirty="0"/>
+              <a:t>Capture images</a:t>
+            </a:r>
+          </a:p>
+          <a:p>
+            <a:r>
+              <a:rPr lang="en-US" dirty="0"/>
+              <a:t>Identify similar points in images (tie points; vertices)</a:t>
+            </a:r>
+          </a:p>
+          <a:p>
+            <a:r>
+              <a:rPr lang="en-US" dirty="0"/>
+              <a:t>Densify point cloud (vertices)</a:t>
+            </a:r>
+          </a:p>
+          <a:p>
+            <a:r>
+              <a:rPr lang="en-US" dirty="0"/>
+              <a:t>Connect points to form edges (1D), faces, polygons, surfaces (2D) and mesh (3D)</a:t>
+            </a:r>
+          </a:p>
+          <a:p>
+            <a:endParaRPr lang="en-US" dirty="0"/>
+          </a:p>
+          <a:p>
+            <a:pPr marL="0" indent="0">
+              <a:buNone/>
+            </a:pPr>
+            <a:r>
+              <a:rPr lang="en-US" i="1" dirty="0"/>
+              <a:t>Watch video </a:t>
+            </a:r>
+            <a:r>
+              <a:rPr lang="en-US" dirty="0">
+                <a:sym typeface="Wingdings" panose="05000000000000000000" pitchFamily="2" charset="2"/>
+              </a:rPr>
+              <a:t></a:t>
+            </a:r>
+            <a:endParaRPr lang="en-US" dirty="0"/>
+          </a:p>
+          <a:p>
+            <a:endParaRPr lang="en-US" dirty="0"/>
+          </a:p>
+          <a:p>
+            <a:endParaRPr lang="en-US" dirty="0"/>
+          </a:p>
+          <a:p>
+            <a:endParaRPr lang="en-US" dirty="0"/>
+          </a:p>
+        </p:txBody>
+      </p:sp>
+      <p:pic>
+        <p:nvPicPr>
+          <p:cNvPr id="3074" name="Picture 2">
+            <a:extLst>
+              <a:ext uri="{FF2B5EF4-FFF2-40B4-BE49-F238E27FC236}">
+                <a16:creationId xmlns:a16="http://schemas.microsoft.com/office/drawing/2014/main" id="{640C8C8C-7101-4A1F-08BB-491A22833541}"/>
+              </a:ext>
+            </a:extLst>
+          </p:cNvPr>
+          <p:cNvPicPr>
+            <a:picLocks noChangeAspect="1" noChangeArrowheads="1"/>
+          </p:cNvPicPr>
+          <p:nvPr/>
+        </p:nvPicPr>
+        <p:blipFill>
+          <a:blip r:embed="rId2">
+            <a:extLst>
+              <a:ext uri="{28A0092B-C50C-407E-A947-70E740481C1C}">
+                <a14:useLocalDpi xmlns:a14="http://schemas.microsoft.com/office/drawing/2010/main" val="0"/>
+              </a:ext>
+            </a:extLst>
+          </a:blip>
+          <a:srcRect/>
+          <a:stretch>
+            <a:fillRect/>
+          </a:stretch>
+        </p:blipFill>
+        <p:spPr bwMode="auto">
+          <a:xfrm>
+            <a:off x="4753084" y="4119322"/>
+            <a:ext cx="6446520" cy="2426679"/>
+          </a:xfrm>
+          <a:prstGeom prst="rect">
+            <a:avLst/>
+          </a:prstGeom>
+          <a:noFill/>
+          <a:extLst>
+            <a:ext uri="{909E8E84-426E-40DD-AFC4-6F175D3DCCD1}">
+              <a14:hiddenFill xmlns:a14="http://schemas.microsoft.com/office/drawing/2010/main">
+                <a:solidFill>
+                  <a:srgbClr val="FFFFFF"/>
+                </a:solidFill>
+              </a14:hiddenFill>
+            </a:ext>
+          </a:extLst>
+        </p:spPr>
+      </p:pic>
       <p:grpSp>
         <p:nvGrpSpPr>
-          <p:cNvPr id="23" name="Group 22">
-            <a:extLst>
-              <a:ext uri="{FF2B5EF4-FFF2-40B4-BE49-F238E27FC236}">
-                <a16:creationId xmlns:a16="http://schemas.microsoft.com/office/drawing/2014/main" id="{5C8CC107-8B6F-2BA8-A951-E8276E1CAFC8}"/>
+          <p:cNvPr id="3" name="Group 2">
+            <a:extLst>
+              <a:ext uri="{FF2B5EF4-FFF2-40B4-BE49-F238E27FC236}">
+                <a16:creationId xmlns:a16="http://schemas.microsoft.com/office/drawing/2014/main" id="{190345D6-1116-BE93-339B-1DD619C7950C}"/>
               </a:ext>
             </a:extLst>
           </p:cNvPr>
@@ -6822,96 +6900,18 @@
         </p:nvGrpSpPr>
         <p:grpSpPr>
           <a:xfrm>
-            <a:off x="42671" y="6443508"/>
-            <a:ext cx="12006913" cy="385818"/>
-            <a:chOff x="42671" y="6443508"/>
-            <a:chExt cx="12006913" cy="385818"/>
+            <a:off x="9704900" y="6443508"/>
+            <a:ext cx="2344684" cy="333050"/>
+            <a:chOff x="9704900" y="6443508"/>
+            <a:chExt cx="2344684" cy="333050"/>
           </a:xfrm>
         </p:grpSpPr>
-        <p:sp>
-          <p:nvSpPr>
-            <p:cNvPr id="24" name="TextBox 23">
+        <p:pic>
+          <p:nvPicPr>
+            <p:cNvPr id="11" name="Picture 2" descr="UNIS - The university centre in Svalbard">
               <a:extLst>
                 <a:ext uri="{FF2B5EF4-FFF2-40B4-BE49-F238E27FC236}">
-                  <a16:creationId xmlns:a16="http://schemas.microsoft.com/office/drawing/2014/main" id="{1B538703-361B-3F8B-537E-BBCFEBB6CACC}"/>
-                </a:ext>
-              </a:extLst>
-            </p:cNvPr>
-            <p:cNvSpPr txBox="1"/>
-            <p:nvPr/>
-          </p:nvSpPr>
-          <p:spPr>
-            <a:xfrm>
-              <a:off x="854075" y="6521549"/>
-              <a:ext cx="3805382" cy="307777"/>
-            </a:xfrm>
-            <a:prstGeom prst="rect">
-              <a:avLst/>
-            </a:prstGeom>
-            <a:noFill/>
-          </p:spPr>
-          <p:txBody>
-            <a:bodyPr wrap="square" rtlCol="0">
-              <a:spAutoFit/>
-            </a:bodyPr>
-            <a:lstStyle/>
-            <a:p>
-              <a:r>
-                <a:rPr lang="nb-NO" sz="1400" i="1" dirty="0">
-                  <a:latin typeface="Arial" panose="020B0604020202020204" pitchFamily="34" charset="0"/>
-                  <a:cs typeface="Arial" panose="020B0604020202020204" pitchFamily="34" charset="0"/>
-                </a:rPr>
-                <a:t>FAIR digital documentation &amp; teaching</a:t>
-              </a:r>
-              <a:endParaRPr lang="en-US" sz="1400" i="1" dirty="0">
-                <a:latin typeface="Arial" panose="020B0604020202020204" pitchFamily="34" charset="0"/>
-                <a:cs typeface="Arial" panose="020B0604020202020204" pitchFamily="34" charset="0"/>
-              </a:endParaRPr>
-            </a:p>
-          </p:txBody>
-        </p:sp>
-        <p:pic>
-          <p:nvPicPr>
-            <p:cNvPr id="25" name="Picture 24" descr="A screenshot of a video game&#10;&#10;Description automatically generated">
-              <a:extLst>
-                <a:ext uri="{FF2B5EF4-FFF2-40B4-BE49-F238E27FC236}">
-                  <a16:creationId xmlns:a16="http://schemas.microsoft.com/office/drawing/2014/main" id="{5F21D3D7-314B-1C6E-B50E-93CFE61D5082}"/>
-                </a:ext>
-              </a:extLst>
-            </p:cNvPr>
-            <p:cNvPicPr>
-              <a:picLocks noChangeAspect="1"/>
-            </p:cNvPicPr>
-            <p:nvPr/>
-          </p:nvPicPr>
-          <p:blipFill>
-            <a:blip r:embed="rId2">
-              <a:extLst>
-                <a:ext uri="{28A0092B-C50C-407E-A947-70E740481C1C}">
-                  <a14:useLocalDpi xmlns:a14="http://schemas.microsoft.com/office/drawing/2010/main" val="0"/>
-                </a:ext>
-              </a:extLst>
-            </a:blip>
-            <a:stretch>
-              <a:fillRect/>
-            </a:stretch>
-          </p:blipFill>
-          <p:spPr>
-            <a:xfrm>
-              <a:off x="42671" y="6563571"/>
-              <a:ext cx="876716" cy="230005"/>
-            </a:xfrm>
-            <a:prstGeom prst="rect">
-              <a:avLst/>
-            </a:prstGeom>
-          </p:spPr>
-        </p:pic>
-        <p:pic>
-          <p:nvPicPr>
-            <p:cNvPr id="26" name="Picture 2" descr="UNIS - The university centre in Svalbard">
-              <a:extLst>
-                <a:ext uri="{FF2B5EF4-FFF2-40B4-BE49-F238E27FC236}">
-                  <a16:creationId xmlns:a16="http://schemas.microsoft.com/office/drawing/2014/main" id="{3FBB4A11-E9C3-D45E-8EDE-6CF34C32E59B}"/>
+                  <a16:creationId xmlns:a16="http://schemas.microsoft.com/office/drawing/2014/main" id="{044793AC-754F-0024-C46B-C4388B403F2A}"/>
                 </a:ext>
               </a:extLst>
             </p:cNvPr>
@@ -6955,10 +6955,10 @@
         </p:pic>
         <p:pic>
           <p:nvPicPr>
-            <p:cNvPr id="27" name="Picture 2" descr="Site is undergoing maintenance">
+            <p:cNvPr id="12" name="Picture 2" descr="Site is undergoing maintenance">
               <a:extLst>
                 <a:ext uri="{FF2B5EF4-FFF2-40B4-BE49-F238E27FC236}">
-                  <a16:creationId xmlns:a16="http://schemas.microsoft.com/office/drawing/2014/main" id="{A9B52DA7-A2A2-0059-A038-02CDC274F002}"/>
+                  <a16:creationId xmlns:a16="http://schemas.microsoft.com/office/drawing/2014/main" id="{E35E0F99-1C39-B094-30DE-7E2AC4D4C6A9}"/>
                 </a:ext>
               </a:extLst>
             </p:cNvPr>
@@ -7000,169 +7000,43 @@
             </a:extLst>
           </p:spPr>
         </p:pic>
+        <p:pic>
+          <p:nvPicPr>
+            <p:cNvPr id="14" name="Picture 13" descr="A black background with grey letters and a red triangle&#10;&#10;Description automatically generated">
+              <a:extLst>
+                <a:ext uri="{FF2B5EF4-FFF2-40B4-BE49-F238E27FC236}">
+                  <a16:creationId xmlns:a16="http://schemas.microsoft.com/office/drawing/2014/main" id="{5730F744-8222-26A5-B2A0-CADBEDABF815}"/>
+                </a:ext>
+              </a:extLst>
+            </p:cNvPr>
+            <p:cNvPicPr>
+              <a:picLocks noChangeAspect="1"/>
+            </p:cNvPicPr>
+            <p:nvPr/>
+          </p:nvPicPr>
+          <p:blipFill>
+            <a:blip r:embed="rId5">
+              <a:extLst>
+                <a:ext uri="{28A0092B-C50C-407E-A947-70E740481C1C}">
+                  <a14:useLocalDpi xmlns:a14="http://schemas.microsoft.com/office/drawing/2010/main" val="0"/>
+                </a:ext>
+              </a:extLst>
+            </a:blip>
+            <a:stretch>
+              <a:fillRect/>
+            </a:stretch>
+          </p:blipFill>
+          <p:spPr>
+            <a:xfrm>
+              <a:off x="9704900" y="6486750"/>
+              <a:ext cx="580285" cy="270414"/>
+            </a:xfrm>
+            <a:prstGeom prst="rect">
+              <a:avLst/>
+            </a:prstGeom>
+          </p:spPr>
+        </p:pic>
       </p:grpSp>
-      <p:sp>
-        <p:nvSpPr>
-          <p:cNvPr id="2" name="Title 1">
-            <a:extLst>
-              <a:ext uri="{FF2B5EF4-FFF2-40B4-BE49-F238E27FC236}">
-                <a16:creationId xmlns:a16="http://schemas.microsoft.com/office/drawing/2014/main" id="{044D5C86-6C13-B385-18EB-CE82554A07BC}"/>
-              </a:ext>
-            </a:extLst>
-          </p:cNvPr>
-          <p:cNvSpPr>
-            <a:spLocks noGrp="1"/>
-          </p:cNvSpPr>
-          <p:nvPr>
-            <p:ph type="title"/>
-          </p:nvPr>
-        </p:nvSpPr>
-        <p:spPr>
-          <a:xfrm>
-            <a:off x="1676400" y="-7563"/>
-            <a:ext cx="10515600" cy="1325563"/>
-          </a:xfrm>
-        </p:spPr>
-        <p:txBody>
-          <a:bodyPr>
-            <a:normAutofit/>
-          </a:bodyPr>
-          <a:lstStyle/>
-          <a:p>
-            <a:r>
-              <a:rPr lang="nb-NO" sz="3600" dirty="0"/>
-              <a:t>Photogrammetry workflow</a:t>
-            </a:r>
-            <a:endParaRPr lang="en-US" sz="3600" dirty="0"/>
-          </a:p>
-        </p:txBody>
-      </p:sp>
-      <p:sp>
-        <p:nvSpPr>
-          <p:cNvPr id="16" name="Content Placeholder 15">
-            <a:extLst>
-              <a:ext uri="{FF2B5EF4-FFF2-40B4-BE49-F238E27FC236}">
-                <a16:creationId xmlns:a16="http://schemas.microsoft.com/office/drawing/2014/main" id="{F0EBAB87-7F21-FF9A-9865-FBBE8D2E14EC}"/>
-              </a:ext>
-            </a:extLst>
-          </p:cNvPr>
-          <p:cNvSpPr>
-            <a:spLocks noGrp="1"/>
-          </p:cNvSpPr>
-          <p:nvPr>
-            <p:ph idx="1"/>
-          </p:nvPr>
-        </p:nvSpPr>
-        <p:spPr>
-          <a:xfrm>
-            <a:off x="838200" y="1825625"/>
-            <a:ext cx="10515600" cy="4351338"/>
-          </a:xfrm>
-        </p:spPr>
-        <p:txBody>
-          <a:bodyPr/>
-          <a:lstStyle/>
-          <a:p>
-            <a:r>
-              <a:rPr lang="en-US" dirty="0"/>
-              <a:t>Capture images</a:t>
-            </a:r>
-          </a:p>
-          <a:p>
-            <a:r>
-              <a:rPr lang="en-US" dirty="0"/>
-              <a:t>Identify similar points in images (tie points; vertices)</a:t>
-            </a:r>
-          </a:p>
-          <a:p>
-            <a:r>
-              <a:rPr lang="en-US" dirty="0"/>
-              <a:t>Densify point cloud (vertices)</a:t>
-            </a:r>
-          </a:p>
-          <a:p>
-            <a:r>
-              <a:rPr lang="en-US" dirty="0"/>
-              <a:t>Connect points to form edges (1D), faces, polygons, surfaces (2D) and mesh (3D)</a:t>
-            </a:r>
-          </a:p>
-          <a:p>
-            <a:endParaRPr lang="en-US" dirty="0"/>
-          </a:p>
-          <a:p>
-            <a:pPr marL="0" indent="0">
-              <a:buNone/>
-            </a:pPr>
-            <a:r>
-              <a:rPr lang="en-US" i="1" dirty="0"/>
-              <a:t>Watch video </a:t>
-            </a:r>
-            <a:r>
-              <a:rPr lang="en-US" dirty="0">
-                <a:sym typeface="Wingdings" panose="05000000000000000000" pitchFamily="2" charset="2"/>
-              </a:rPr>
-              <a:t></a:t>
-            </a:r>
-            <a:endParaRPr lang="en-US" dirty="0"/>
-          </a:p>
-          <a:p>
-            <a:endParaRPr lang="en-US" dirty="0"/>
-          </a:p>
-          <a:p>
-            <a:endParaRPr lang="en-US" dirty="0"/>
-          </a:p>
-          <a:p>
-            <a:endParaRPr lang="en-US" dirty="0"/>
-          </a:p>
-        </p:txBody>
-      </p:sp>
-      <p:pic>
-        <p:nvPicPr>
-          <p:cNvPr id="3074" name="Picture 2">
-            <a:extLst>
-              <a:ext uri="{FF2B5EF4-FFF2-40B4-BE49-F238E27FC236}">
-                <a16:creationId xmlns:a16="http://schemas.microsoft.com/office/drawing/2014/main" id="{640C8C8C-7101-4A1F-08BB-491A22833541}"/>
-              </a:ext>
-            </a:extLst>
-          </p:cNvPr>
-          <p:cNvPicPr>
-            <a:picLocks noChangeAspect="1" noChangeArrowheads="1"/>
-          </p:cNvPicPr>
-          <p:nvPr/>
-        </p:nvPicPr>
-        <p:blipFill>
-          <a:blip r:embed="rId5">
-            <a:extLst>
-              <a:ext uri="{28A0092B-C50C-407E-A947-70E740481C1C}">
-                <a14:useLocalDpi xmlns:a14="http://schemas.microsoft.com/office/drawing/2010/main" val="0"/>
-              </a:ext>
-            </a:extLst>
-          </a:blip>
-          <a:srcRect/>
-          <a:stretch>
-            <a:fillRect/>
-          </a:stretch>
-        </p:blipFill>
-        <p:spPr bwMode="auto">
-          <a:xfrm>
-            <a:off x="4753084" y="4119322"/>
-            <a:ext cx="6446520" cy="2426679"/>
-          </a:xfrm>
-          <a:prstGeom prst="rect">
-            <a:avLst/>
-          </a:prstGeom>
-          <a:noFill/>
-          <a:extLst>
-            <a:ext uri="{909E8E84-426E-40DD-AFC4-6F175D3DCCD1}">
-              <a14:hiddenFill xmlns:a14="http://schemas.microsoft.com/office/drawing/2010/main">
-                <a:solidFill>
-                  <a:srgbClr val="FFFFFF"/>
-                </a:solidFill>
-              </a14:hiddenFill>
-            </a:ext>
-          </a:extLst>
-        </p:spPr>
-      </p:pic>
     </p:spTree>
     <p:extLst>
       <p:ext uri="{BB962C8B-B14F-4D97-AF65-F5344CB8AC3E}">
@@ -7943,12 +7817,131 @@
           </a:p>
         </p:txBody>
       </p:sp>
+      <p:sp>
+        <p:nvSpPr>
+          <p:cNvPr id="2" name="Title 1">
+            <a:extLst>
+              <a:ext uri="{FF2B5EF4-FFF2-40B4-BE49-F238E27FC236}">
+                <a16:creationId xmlns:a16="http://schemas.microsoft.com/office/drawing/2014/main" id="{044D5C86-6C13-B385-18EB-CE82554A07BC}"/>
+              </a:ext>
+            </a:extLst>
+          </p:cNvPr>
+          <p:cNvSpPr>
+            <a:spLocks noGrp="1"/>
+          </p:cNvSpPr>
+          <p:nvPr>
+            <p:ph type="title"/>
+          </p:nvPr>
+        </p:nvSpPr>
+        <p:spPr>
+          <a:xfrm>
+            <a:off x="1676400" y="-7563"/>
+            <a:ext cx="10515600" cy="1325563"/>
+          </a:xfrm>
+        </p:spPr>
+        <p:txBody>
+          <a:bodyPr>
+            <a:normAutofit/>
+          </a:bodyPr>
+          <a:lstStyle/>
+          <a:p>
+            <a:r>
+              <a:rPr lang="nb-NO" sz="3600" dirty="0"/>
+              <a:t>What is photogrammetry?</a:t>
+            </a:r>
+            <a:endParaRPr lang="en-US" sz="3600" dirty="0"/>
+          </a:p>
+        </p:txBody>
+      </p:sp>
+      <p:sp>
+        <p:nvSpPr>
+          <p:cNvPr id="16" name="Content Placeholder 15">
+            <a:extLst>
+              <a:ext uri="{FF2B5EF4-FFF2-40B4-BE49-F238E27FC236}">
+                <a16:creationId xmlns:a16="http://schemas.microsoft.com/office/drawing/2014/main" id="{F0EBAB87-7F21-FF9A-9865-FBBE8D2E14EC}"/>
+              </a:ext>
+            </a:extLst>
+          </p:cNvPr>
+          <p:cNvSpPr>
+            <a:spLocks noGrp="1"/>
+          </p:cNvSpPr>
+          <p:nvPr>
+            <p:ph idx="1"/>
+          </p:nvPr>
+        </p:nvSpPr>
+        <p:spPr>
+          <a:xfrm>
+            <a:off x="838200" y="1825625"/>
+            <a:ext cx="10515600" cy="4351338"/>
+          </a:xfrm>
+        </p:spPr>
+        <p:txBody>
+          <a:bodyPr/>
+          <a:lstStyle/>
+          <a:p>
+            <a:r>
+              <a:rPr lang="en-US" i="1" dirty="0"/>
+              <a:t>photos</a:t>
+            </a:r>
+            <a:r>
+              <a:rPr lang="en-US" dirty="0"/>
+              <a:t> = light</a:t>
+            </a:r>
+          </a:p>
+          <a:p>
+            <a:r>
+              <a:rPr lang="en-US" i="1" dirty="0"/>
+              <a:t>gramma</a:t>
+            </a:r>
+            <a:r>
+              <a:rPr lang="en-US" dirty="0"/>
+              <a:t> = to drawn </a:t>
+            </a:r>
+          </a:p>
+          <a:p>
+            <a:r>
+              <a:rPr lang="en-US" i="1" dirty="0" err="1"/>
+              <a:t>metron</a:t>
+            </a:r>
+            <a:r>
+              <a:rPr lang="en-US" dirty="0"/>
+              <a:t> = to measure</a:t>
+            </a:r>
+          </a:p>
+          <a:p>
+            <a:endParaRPr lang="en-US" dirty="0"/>
+          </a:p>
+          <a:p>
+            <a:r>
+              <a:rPr lang="en-US" i="1" dirty="0"/>
+              <a:t>Photogrammetry</a:t>
+            </a:r>
+            <a:r>
+              <a:rPr lang="en-US" dirty="0"/>
+              <a:t> = measuring with light (photographs)</a:t>
+            </a:r>
+          </a:p>
+          <a:p>
+            <a:endParaRPr lang="en-US" dirty="0"/>
+          </a:p>
+          <a:p>
+            <a:r>
+              <a:rPr lang="en-US" dirty="0"/>
+              <a:t>Or: </a:t>
+            </a:r>
+            <a:r>
+              <a:rPr lang="en-US" i="1" dirty="0"/>
+              <a:t>estimation of geometric and semantic properties of objects based on images</a:t>
+            </a:r>
+          </a:p>
+        </p:txBody>
+      </p:sp>
       <p:grpSp>
         <p:nvGrpSpPr>
-          <p:cNvPr id="23" name="Group 22">
-            <a:extLst>
-              <a:ext uri="{FF2B5EF4-FFF2-40B4-BE49-F238E27FC236}">
-                <a16:creationId xmlns:a16="http://schemas.microsoft.com/office/drawing/2014/main" id="{5C8CC107-8B6F-2BA8-A951-E8276E1CAFC8}"/>
+          <p:cNvPr id="3" name="Group 2">
+            <a:extLst>
+              <a:ext uri="{FF2B5EF4-FFF2-40B4-BE49-F238E27FC236}">
+                <a16:creationId xmlns:a16="http://schemas.microsoft.com/office/drawing/2014/main" id="{CD5217B3-4BEF-DFD4-725B-F35096995957}"/>
               </a:ext>
             </a:extLst>
           </p:cNvPr>
@@ -7957,65 +7950,23 @@
         </p:nvGrpSpPr>
         <p:grpSpPr>
           <a:xfrm>
-            <a:off x="42671" y="6443508"/>
-            <a:ext cx="12006913" cy="385818"/>
-            <a:chOff x="42671" y="6443508"/>
-            <a:chExt cx="12006913" cy="385818"/>
+            <a:off x="9704900" y="6443508"/>
+            <a:ext cx="2344684" cy="333050"/>
+            <a:chOff x="9704900" y="6443508"/>
+            <a:chExt cx="2344684" cy="333050"/>
           </a:xfrm>
         </p:grpSpPr>
-        <p:sp>
-          <p:nvSpPr>
-            <p:cNvPr id="24" name="TextBox 23">
+        <p:pic>
+          <p:nvPicPr>
+            <p:cNvPr id="11" name="Picture 2" descr="UNIS - The university centre in Svalbard">
               <a:extLst>
                 <a:ext uri="{FF2B5EF4-FFF2-40B4-BE49-F238E27FC236}">
-                  <a16:creationId xmlns:a16="http://schemas.microsoft.com/office/drawing/2014/main" id="{1B538703-361B-3F8B-537E-BBCFEBB6CACC}"/>
-                </a:ext>
-              </a:extLst>
-            </p:cNvPr>
-            <p:cNvSpPr txBox="1"/>
-            <p:nvPr/>
-          </p:nvSpPr>
-          <p:spPr>
-            <a:xfrm>
-              <a:off x="854075" y="6521549"/>
-              <a:ext cx="3805382" cy="307777"/>
-            </a:xfrm>
-            <a:prstGeom prst="rect">
-              <a:avLst/>
-            </a:prstGeom>
-            <a:noFill/>
-          </p:spPr>
-          <p:txBody>
-            <a:bodyPr wrap="square" rtlCol="0">
-              <a:spAutoFit/>
-            </a:bodyPr>
-            <a:lstStyle/>
-            <a:p>
-              <a:r>
-                <a:rPr lang="nb-NO" sz="1400" i="1" dirty="0">
-                  <a:latin typeface="Arial" panose="020B0604020202020204" pitchFamily="34" charset="0"/>
-                  <a:cs typeface="Arial" panose="020B0604020202020204" pitchFamily="34" charset="0"/>
-                </a:rPr>
-                <a:t>FAIR digital documentation &amp; teaching</a:t>
-              </a:r>
-              <a:endParaRPr lang="en-US" sz="1400" i="1" dirty="0">
-                <a:latin typeface="Arial" panose="020B0604020202020204" pitchFamily="34" charset="0"/>
-                <a:cs typeface="Arial" panose="020B0604020202020204" pitchFamily="34" charset="0"/>
-              </a:endParaRPr>
-            </a:p>
-          </p:txBody>
-        </p:sp>
-        <p:pic>
-          <p:nvPicPr>
-            <p:cNvPr id="25" name="Picture 24" descr="A screenshot of a video game&#10;&#10;Description automatically generated">
-              <a:extLst>
-                <a:ext uri="{FF2B5EF4-FFF2-40B4-BE49-F238E27FC236}">
-                  <a16:creationId xmlns:a16="http://schemas.microsoft.com/office/drawing/2014/main" id="{5F21D3D7-314B-1C6E-B50E-93CFE61D5082}"/>
+                  <a16:creationId xmlns:a16="http://schemas.microsoft.com/office/drawing/2014/main" id="{DD906875-33D9-BCE3-B64B-649459AB3BA0}"/>
                 </a:ext>
               </a:extLst>
             </p:cNvPr>
             <p:cNvPicPr>
-              <a:picLocks noChangeAspect="1"/>
+              <a:picLocks noChangeAspect="1" noChangeArrowheads="1"/>
             </p:cNvPicPr>
             <p:nvPr/>
           </p:nvPicPr>
@@ -8027,26 +7978,37 @@
                 </a:ext>
               </a:extLst>
             </a:blip>
+            <a:srcRect/>
             <a:stretch>
               <a:fillRect/>
             </a:stretch>
           </p:blipFill>
-          <p:spPr>
+          <p:spPr bwMode="auto">
             <a:xfrm>
-              <a:off x="42671" y="6563571"/>
-              <a:ext cx="876716" cy="230005"/>
+              <a:off x="10413848" y="6443508"/>
+              <a:ext cx="1210145" cy="326740"/>
             </a:xfrm>
             <a:prstGeom prst="rect">
               <a:avLst/>
             </a:prstGeom>
+            <a:noFill/>
+            <a:extLst>
+              <a:ext uri="{909E8E84-426E-40DD-AFC4-6F175D3DCCD1}">
+                <a14:hiddenFill xmlns:a14="http://schemas.microsoft.com/office/drawing/2010/main">
+                  <a:solidFill>
+                    <a:srgbClr val="FFFFFF"/>
+                  </a:solidFill>
+                </a14:hiddenFill>
+              </a:ext>
+            </a:extLst>
           </p:spPr>
         </p:pic>
         <p:pic>
           <p:nvPicPr>
-            <p:cNvPr id="26" name="Picture 2" descr="UNIS - The university centre in Svalbard">
+            <p:cNvPr id="12" name="Picture 2" descr="Site is undergoing maintenance">
               <a:extLst>
                 <a:ext uri="{FF2B5EF4-FFF2-40B4-BE49-F238E27FC236}">
-                  <a16:creationId xmlns:a16="http://schemas.microsoft.com/office/drawing/2014/main" id="{3FBB4A11-E9C3-D45E-8EDE-6CF34C32E59B}"/>
+                  <a16:creationId xmlns:a16="http://schemas.microsoft.com/office/drawing/2014/main" id="{94FD0EFE-D3DF-D066-00C2-61E76C4C1CA5}"/>
                 </a:ext>
               </a:extLst>
             </p:cNvPr>
@@ -8070,8 +8032,8 @@
           </p:blipFill>
           <p:spPr bwMode="auto">
             <a:xfrm>
-              <a:off x="10413848" y="6443508"/>
-              <a:ext cx="1210145" cy="326740"/>
+              <a:off x="11766409" y="6449818"/>
+              <a:ext cx="283175" cy="326740"/>
             </a:xfrm>
             <a:prstGeom prst="rect">
               <a:avLst/>
@@ -8090,15 +8052,15 @@
         </p:pic>
         <p:pic>
           <p:nvPicPr>
-            <p:cNvPr id="27" name="Picture 2" descr="Site is undergoing maintenance">
+            <p:cNvPr id="14" name="Picture 13" descr="A black background with grey letters and a red triangle&#10;&#10;Description automatically generated">
               <a:extLst>
                 <a:ext uri="{FF2B5EF4-FFF2-40B4-BE49-F238E27FC236}">
-                  <a16:creationId xmlns:a16="http://schemas.microsoft.com/office/drawing/2014/main" id="{A9B52DA7-A2A2-0059-A038-02CDC274F002}"/>
+                  <a16:creationId xmlns:a16="http://schemas.microsoft.com/office/drawing/2014/main" id="{7DE7B6CA-30DB-F5CE-C70E-23FC1B01A70F}"/>
                 </a:ext>
               </a:extLst>
             </p:cNvPr>
             <p:cNvPicPr>
-              <a:picLocks noChangeAspect="1" noChangeArrowheads="1"/>
+              <a:picLocks noChangeAspect="1"/>
             </p:cNvPicPr>
             <p:nvPr/>
           </p:nvPicPr>
@@ -8110,151 +8072,21 @@
                 </a:ext>
               </a:extLst>
             </a:blip>
-            <a:srcRect/>
             <a:stretch>
               <a:fillRect/>
             </a:stretch>
           </p:blipFill>
-          <p:spPr bwMode="auto">
+          <p:spPr>
             <a:xfrm>
-              <a:off x="11766409" y="6449818"/>
-              <a:ext cx="283175" cy="326740"/>
+              <a:off x="9704900" y="6486750"/>
+              <a:ext cx="580285" cy="270414"/>
             </a:xfrm>
             <a:prstGeom prst="rect">
               <a:avLst/>
             </a:prstGeom>
-            <a:noFill/>
-            <a:extLst>
-              <a:ext uri="{909E8E84-426E-40DD-AFC4-6F175D3DCCD1}">
-                <a14:hiddenFill xmlns:a14="http://schemas.microsoft.com/office/drawing/2010/main">
-                  <a:solidFill>
-                    <a:srgbClr val="FFFFFF"/>
-                  </a:solidFill>
-                </a14:hiddenFill>
-              </a:ext>
-            </a:extLst>
           </p:spPr>
         </p:pic>
       </p:grpSp>
-      <p:sp>
-        <p:nvSpPr>
-          <p:cNvPr id="2" name="Title 1">
-            <a:extLst>
-              <a:ext uri="{FF2B5EF4-FFF2-40B4-BE49-F238E27FC236}">
-                <a16:creationId xmlns:a16="http://schemas.microsoft.com/office/drawing/2014/main" id="{044D5C86-6C13-B385-18EB-CE82554A07BC}"/>
-              </a:ext>
-            </a:extLst>
-          </p:cNvPr>
-          <p:cNvSpPr>
-            <a:spLocks noGrp="1"/>
-          </p:cNvSpPr>
-          <p:nvPr>
-            <p:ph type="title"/>
-          </p:nvPr>
-        </p:nvSpPr>
-        <p:spPr>
-          <a:xfrm>
-            <a:off x="1676400" y="-7563"/>
-            <a:ext cx="10515600" cy="1325563"/>
-          </a:xfrm>
-        </p:spPr>
-        <p:txBody>
-          <a:bodyPr>
-            <a:normAutofit/>
-          </a:bodyPr>
-          <a:lstStyle/>
-          <a:p>
-            <a:r>
-              <a:rPr lang="nb-NO" sz="3600" dirty="0"/>
-              <a:t>What is photogrammetry?</a:t>
-            </a:r>
-            <a:endParaRPr lang="en-US" sz="3600" dirty="0"/>
-          </a:p>
-        </p:txBody>
-      </p:sp>
-      <p:sp>
-        <p:nvSpPr>
-          <p:cNvPr id="16" name="Content Placeholder 15">
-            <a:extLst>
-              <a:ext uri="{FF2B5EF4-FFF2-40B4-BE49-F238E27FC236}">
-                <a16:creationId xmlns:a16="http://schemas.microsoft.com/office/drawing/2014/main" id="{F0EBAB87-7F21-FF9A-9865-FBBE8D2E14EC}"/>
-              </a:ext>
-            </a:extLst>
-          </p:cNvPr>
-          <p:cNvSpPr>
-            <a:spLocks noGrp="1"/>
-          </p:cNvSpPr>
-          <p:nvPr>
-            <p:ph idx="1"/>
-          </p:nvPr>
-        </p:nvSpPr>
-        <p:spPr>
-          <a:xfrm>
-            <a:off x="838200" y="1825625"/>
-            <a:ext cx="10515600" cy="4351338"/>
-          </a:xfrm>
-        </p:spPr>
-        <p:txBody>
-          <a:bodyPr/>
-          <a:lstStyle/>
-          <a:p>
-            <a:r>
-              <a:rPr lang="en-US" i="1" dirty="0"/>
-              <a:t>photos</a:t>
-            </a:r>
-            <a:r>
-              <a:rPr lang="en-US" dirty="0"/>
-              <a:t> = light</a:t>
-            </a:r>
-          </a:p>
-          <a:p>
-            <a:r>
-              <a:rPr lang="en-US" i="1" dirty="0"/>
-              <a:t>gramma</a:t>
-            </a:r>
-            <a:r>
-              <a:rPr lang="en-US" dirty="0"/>
-              <a:t> = to drawn </a:t>
-            </a:r>
-          </a:p>
-          <a:p>
-            <a:r>
-              <a:rPr lang="en-US" i="1" dirty="0" err="1"/>
-              <a:t>metron</a:t>
-            </a:r>
-            <a:r>
-              <a:rPr lang="en-US" dirty="0"/>
-              <a:t> = to measure</a:t>
-            </a:r>
-          </a:p>
-          <a:p>
-            <a:endParaRPr lang="en-US" dirty="0"/>
-          </a:p>
-          <a:p>
-            <a:r>
-              <a:rPr lang="en-US" i="1" dirty="0"/>
-              <a:t>Photogrammetry</a:t>
-            </a:r>
-            <a:r>
-              <a:rPr lang="en-US" dirty="0"/>
-              <a:t> = measuring with light (photographs)</a:t>
-            </a:r>
-          </a:p>
-          <a:p>
-            <a:endParaRPr lang="en-US" dirty="0"/>
-          </a:p>
-          <a:p>
-            <a:r>
-              <a:rPr lang="en-US" dirty="0"/>
-              <a:t>Or: </a:t>
-            </a:r>
-            <a:r>
-              <a:rPr lang="en-US" i="1" dirty="0"/>
-              <a:t>estimation of geometric and semantic properties of objects based on images</a:t>
-            </a:r>
-          </a:p>
-        </p:txBody>
-      </p:sp>
     </p:spTree>
     <p:extLst>
       <p:ext uri="{BB962C8B-B14F-4D97-AF65-F5344CB8AC3E}">
@@ -9035,12 +8867,194 @@
           </a:p>
         </p:txBody>
       </p:sp>
+      <p:sp>
+        <p:nvSpPr>
+          <p:cNvPr id="2" name="Title 1">
+            <a:extLst>
+              <a:ext uri="{FF2B5EF4-FFF2-40B4-BE49-F238E27FC236}">
+                <a16:creationId xmlns:a16="http://schemas.microsoft.com/office/drawing/2014/main" id="{044D5C86-6C13-B385-18EB-CE82554A07BC}"/>
+              </a:ext>
+            </a:extLst>
+          </p:cNvPr>
+          <p:cNvSpPr>
+            <a:spLocks noGrp="1"/>
+          </p:cNvSpPr>
+          <p:nvPr>
+            <p:ph type="title"/>
+          </p:nvPr>
+        </p:nvSpPr>
+        <p:spPr>
+          <a:xfrm>
+            <a:off x="1676400" y="-7563"/>
+            <a:ext cx="10515600" cy="1325563"/>
+          </a:xfrm>
+        </p:spPr>
+        <p:txBody>
+          <a:bodyPr>
+            <a:normAutofit/>
+          </a:bodyPr>
+          <a:lstStyle/>
+          <a:p>
+            <a:r>
+              <a:rPr lang="nb-NO" sz="3600" dirty="0"/>
+              <a:t>What is photogrammetry?</a:t>
+            </a:r>
+            <a:endParaRPr lang="en-US" sz="3600" dirty="0"/>
+          </a:p>
+        </p:txBody>
+      </p:sp>
+      <p:sp>
+        <p:nvSpPr>
+          <p:cNvPr id="16" name="Content Placeholder 15">
+            <a:extLst>
+              <a:ext uri="{FF2B5EF4-FFF2-40B4-BE49-F238E27FC236}">
+                <a16:creationId xmlns:a16="http://schemas.microsoft.com/office/drawing/2014/main" id="{F0EBAB87-7F21-FF9A-9865-FBBE8D2E14EC}"/>
+              </a:ext>
+            </a:extLst>
+          </p:cNvPr>
+          <p:cNvSpPr>
+            <a:spLocks noGrp="1"/>
+          </p:cNvSpPr>
+          <p:nvPr>
+            <p:ph idx="1"/>
+          </p:nvPr>
+        </p:nvSpPr>
+        <p:spPr>
+          <a:xfrm>
+            <a:off x="838200" y="1825625"/>
+            <a:ext cx="10515600" cy="4351338"/>
+          </a:xfrm>
+        </p:spPr>
+        <p:txBody>
+          <a:bodyPr/>
+          <a:lstStyle/>
+          <a:p>
+            <a:r>
+              <a:rPr lang="en-US" i="1" dirty="0"/>
+              <a:t>photos</a:t>
+            </a:r>
+            <a:r>
+              <a:rPr lang="en-US" dirty="0"/>
+              <a:t> = light</a:t>
+            </a:r>
+          </a:p>
+          <a:p>
+            <a:r>
+              <a:rPr lang="en-US" i="1" dirty="0"/>
+              <a:t>gramma</a:t>
+            </a:r>
+            <a:r>
+              <a:rPr lang="en-US" dirty="0"/>
+              <a:t> = picture</a:t>
+            </a:r>
+          </a:p>
+          <a:p>
+            <a:r>
+              <a:rPr lang="en-US" i="1" dirty="0" err="1"/>
+              <a:t>metron</a:t>
+            </a:r>
+            <a:r>
+              <a:rPr lang="en-US" dirty="0"/>
+              <a:t> </a:t>
+            </a:r>
+            <a:r>
+              <a:rPr lang="en-US"/>
+              <a:t>= measure</a:t>
+            </a:r>
+            <a:endParaRPr lang="en-US" dirty="0"/>
+          </a:p>
+          <a:p>
+            <a:endParaRPr lang="en-US" dirty="0"/>
+          </a:p>
+          <a:p>
+            <a:r>
+              <a:rPr lang="en-US" i="1" dirty="0"/>
+              <a:t>Photogrammetry</a:t>
+            </a:r>
+            <a:r>
+              <a:rPr lang="en-US" dirty="0"/>
+              <a:t> = measuring with light (photographs)</a:t>
+            </a:r>
+          </a:p>
+          <a:p>
+            <a:endParaRPr lang="en-US" dirty="0"/>
+          </a:p>
+          <a:p>
+            <a:r>
+              <a:rPr lang="en-US" dirty="0"/>
+              <a:t>Or: </a:t>
+            </a:r>
+            <a:r>
+              <a:rPr lang="en-US" i="1" dirty="0"/>
+              <a:t>estimation of geometric and semantic properties of objects based on images</a:t>
+            </a:r>
+          </a:p>
+        </p:txBody>
+      </p:sp>
+      <p:sp>
+        <p:nvSpPr>
+          <p:cNvPr id="3" name="TextBox 2">
+            <a:extLst>
+              <a:ext uri="{FF2B5EF4-FFF2-40B4-BE49-F238E27FC236}">
+                <a16:creationId xmlns:a16="http://schemas.microsoft.com/office/drawing/2014/main" id="{14B47487-041C-A9D3-B062-B1116FE5DA08}"/>
+              </a:ext>
+            </a:extLst>
+          </p:cNvPr>
+          <p:cNvSpPr txBox="1"/>
+          <p:nvPr/>
+        </p:nvSpPr>
+        <p:spPr>
+          <a:xfrm rot="20992095">
+            <a:off x="6483249" y="1393148"/>
+            <a:ext cx="5289651" cy="1815882"/>
+          </a:xfrm>
+          <a:prstGeom prst="rect">
+            <a:avLst/>
+          </a:prstGeom>
+          <a:noFill/>
+          <a:ln>
+            <a:solidFill>
+              <a:schemeClr val="tx1"/>
+            </a:solidFill>
+          </a:ln>
+        </p:spPr>
+        <p:txBody>
+          <a:bodyPr wrap="square" rtlCol="0">
+            <a:spAutoFit/>
+          </a:bodyPr>
+          <a:lstStyle/>
+          <a:p>
+            <a:r>
+              <a:rPr lang="nb-NO" sz="2800" b="1" i="1" u="sng" dirty="0"/>
+              <a:t>Optical Remote Sensing</a:t>
+            </a:r>
+          </a:p>
+          <a:p>
+            <a:r>
+              <a:rPr lang="nb-NO" sz="2800" b="1" i="1" u="sng" dirty="0"/>
+              <a:t>Image processing/computer vision</a:t>
+            </a:r>
+          </a:p>
+          <a:p>
+            <a:r>
+              <a:rPr lang="en-US" sz="2800" b="1" i="1" u="sng" dirty="0"/>
+              <a:t>Robotics</a:t>
+            </a:r>
+          </a:p>
+          <a:p>
+            <a:r>
+              <a:rPr lang="en-US" sz="2800" b="1" i="1" u="sng" dirty="0"/>
+              <a:t>Machine learning</a:t>
+            </a:r>
+          </a:p>
+        </p:txBody>
+      </p:sp>
       <p:grpSp>
         <p:nvGrpSpPr>
-          <p:cNvPr id="23" name="Group 22">
-            <a:extLst>
-              <a:ext uri="{FF2B5EF4-FFF2-40B4-BE49-F238E27FC236}">
-                <a16:creationId xmlns:a16="http://schemas.microsoft.com/office/drawing/2014/main" id="{5C8CC107-8B6F-2BA8-A951-E8276E1CAFC8}"/>
+          <p:cNvPr id="11" name="Group 10">
+            <a:extLst>
+              <a:ext uri="{FF2B5EF4-FFF2-40B4-BE49-F238E27FC236}">
+                <a16:creationId xmlns:a16="http://schemas.microsoft.com/office/drawing/2014/main" id="{F62A9604-9911-7276-2217-417061DAB5B2}"/>
               </a:ext>
             </a:extLst>
           </p:cNvPr>
@@ -9049,65 +9063,23 @@
         </p:nvGrpSpPr>
         <p:grpSpPr>
           <a:xfrm>
-            <a:off x="42671" y="6443508"/>
-            <a:ext cx="12006913" cy="385818"/>
-            <a:chOff x="42671" y="6443508"/>
-            <a:chExt cx="12006913" cy="385818"/>
+            <a:off x="9704900" y="6443508"/>
+            <a:ext cx="2344684" cy="333050"/>
+            <a:chOff x="9704900" y="6443508"/>
+            <a:chExt cx="2344684" cy="333050"/>
           </a:xfrm>
         </p:grpSpPr>
-        <p:sp>
-          <p:nvSpPr>
-            <p:cNvPr id="24" name="TextBox 23">
+        <p:pic>
+          <p:nvPicPr>
+            <p:cNvPr id="12" name="Picture 2" descr="UNIS - The university centre in Svalbard">
               <a:extLst>
                 <a:ext uri="{FF2B5EF4-FFF2-40B4-BE49-F238E27FC236}">
-                  <a16:creationId xmlns:a16="http://schemas.microsoft.com/office/drawing/2014/main" id="{1B538703-361B-3F8B-537E-BBCFEBB6CACC}"/>
-                </a:ext>
-              </a:extLst>
-            </p:cNvPr>
-            <p:cNvSpPr txBox="1"/>
-            <p:nvPr/>
-          </p:nvSpPr>
-          <p:spPr>
-            <a:xfrm>
-              <a:off x="854075" y="6521549"/>
-              <a:ext cx="3805382" cy="307777"/>
-            </a:xfrm>
-            <a:prstGeom prst="rect">
-              <a:avLst/>
-            </a:prstGeom>
-            <a:noFill/>
-          </p:spPr>
-          <p:txBody>
-            <a:bodyPr wrap="square" rtlCol="0">
-              <a:spAutoFit/>
-            </a:bodyPr>
-            <a:lstStyle/>
-            <a:p>
-              <a:r>
-                <a:rPr lang="nb-NO" sz="1400" i="1" dirty="0">
-                  <a:latin typeface="Arial" panose="020B0604020202020204" pitchFamily="34" charset="0"/>
-                  <a:cs typeface="Arial" panose="020B0604020202020204" pitchFamily="34" charset="0"/>
-                </a:rPr>
-                <a:t>FAIR digital documentation &amp; teaching</a:t>
-              </a:r>
-              <a:endParaRPr lang="en-US" sz="1400" i="1" dirty="0">
-                <a:latin typeface="Arial" panose="020B0604020202020204" pitchFamily="34" charset="0"/>
-                <a:cs typeface="Arial" panose="020B0604020202020204" pitchFamily="34" charset="0"/>
-              </a:endParaRPr>
-            </a:p>
-          </p:txBody>
-        </p:sp>
-        <p:pic>
-          <p:nvPicPr>
-            <p:cNvPr id="25" name="Picture 24" descr="A screenshot of a video game&#10;&#10;Description automatically generated">
-              <a:extLst>
-                <a:ext uri="{FF2B5EF4-FFF2-40B4-BE49-F238E27FC236}">
-                  <a16:creationId xmlns:a16="http://schemas.microsoft.com/office/drawing/2014/main" id="{5F21D3D7-314B-1C6E-B50E-93CFE61D5082}"/>
+                  <a16:creationId xmlns:a16="http://schemas.microsoft.com/office/drawing/2014/main" id="{0F290B7F-6680-9C95-CBFD-708F2FCB689C}"/>
                 </a:ext>
               </a:extLst>
             </p:cNvPr>
             <p:cNvPicPr>
-              <a:picLocks noChangeAspect="1"/>
+              <a:picLocks noChangeAspect="1" noChangeArrowheads="1"/>
             </p:cNvPicPr>
             <p:nvPr/>
           </p:nvPicPr>
@@ -9119,26 +9091,37 @@
                 </a:ext>
               </a:extLst>
             </a:blip>
+            <a:srcRect/>
             <a:stretch>
               <a:fillRect/>
             </a:stretch>
           </p:blipFill>
-          <p:spPr>
+          <p:spPr bwMode="auto">
             <a:xfrm>
-              <a:off x="42671" y="6563571"/>
-              <a:ext cx="876716" cy="230005"/>
+              <a:off x="10413848" y="6443508"/>
+              <a:ext cx="1210145" cy="326740"/>
             </a:xfrm>
             <a:prstGeom prst="rect">
               <a:avLst/>
             </a:prstGeom>
+            <a:noFill/>
+            <a:extLst>
+              <a:ext uri="{909E8E84-426E-40DD-AFC4-6F175D3DCCD1}">
+                <a14:hiddenFill xmlns:a14="http://schemas.microsoft.com/office/drawing/2010/main">
+                  <a:solidFill>
+                    <a:srgbClr val="FFFFFF"/>
+                  </a:solidFill>
+                </a14:hiddenFill>
+              </a:ext>
+            </a:extLst>
           </p:spPr>
         </p:pic>
         <p:pic>
           <p:nvPicPr>
-            <p:cNvPr id="26" name="Picture 2" descr="UNIS - The university centre in Svalbard">
+            <p:cNvPr id="14" name="Picture 2" descr="Site is undergoing maintenance">
               <a:extLst>
                 <a:ext uri="{FF2B5EF4-FFF2-40B4-BE49-F238E27FC236}">
-                  <a16:creationId xmlns:a16="http://schemas.microsoft.com/office/drawing/2014/main" id="{3FBB4A11-E9C3-D45E-8EDE-6CF34C32E59B}"/>
+                  <a16:creationId xmlns:a16="http://schemas.microsoft.com/office/drawing/2014/main" id="{79AFEFA4-EC19-3DBB-932B-2D1E8F21ADA8}"/>
                 </a:ext>
               </a:extLst>
             </p:cNvPr>
@@ -9162,8 +9145,8 @@
           </p:blipFill>
           <p:spPr bwMode="auto">
             <a:xfrm>
-              <a:off x="10413848" y="6443508"/>
-              <a:ext cx="1210145" cy="326740"/>
+              <a:off x="11766409" y="6449818"/>
+              <a:ext cx="283175" cy="326740"/>
             </a:xfrm>
             <a:prstGeom prst="rect">
               <a:avLst/>
@@ -9182,15 +9165,15 @@
         </p:pic>
         <p:pic>
           <p:nvPicPr>
-            <p:cNvPr id="27" name="Picture 2" descr="Site is undergoing maintenance">
+            <p:cNvPr id="15" name="Picture 14" descr="A black background with grey letters and a red triangle&#10;&#10;Description automatically generated">
               <a:extLst>
                 <a:ext uri="{FF2B5EF4-FFF2-40B4-BE49-F238E27FC236}">
-                  <a16:creationId xmlns:a16="http://schemas.microsoft.com/office/drawing/2014/main" id="{A9B52DA7-A2A2-0059-A038-02CDC274F002}"/>
+                  <a16:creationId xmlns:a16="http://schemas.microsoft.com/office/drawing/2014/main" id="{7A7B646C-BBDA-6D96-E95F-A24D5190989F}"/>
                 </a:ext>
               </a:extLst>
             </p:cNvPr>
             <p:cNvPicPr>
-              <a:picLocks noChangeAspect="1" noChangeArrowheads="1"/>
+              <a:picLocks noChangeAspect="1"/>
             </p:cNvPicPr>
             <p:nvPr/>
           </p:nvPicPr>
@@ -9202,214 +9185,21 @@
                 </a:ext>
               </a:extLst>
             </a:blip>
-            <a:srcRect/>
             <a:stretch>
               <a:fillRect/>
             </a:stretch>
           </p:blipFill>
-          <p:spPr bwMode="auto">
+          <p:spPr>
             <a:xfrm>
-              <a:off x="11766409" y="6449818"/>
-              <a:ext cx="283175" cy="326740"/>
+              <a:off x="9704900" y="6486750"/>
+              <a:ext cx="580285" cy="270414"/>
             </a:xfrm>
             <a:prstGeom prst="rect">
               <a:avLst/>
             </a:prstGeom>
-            <a:noFill/>
-            <a:extLst>
-              <a:ext uri="{909E8E84-426E-40DD-AFC4-6F175D3DCCD1}">
-                <a14:hiddenFill xmlns:a14="http://schemas.microsoft.com/office/drawing/2010/main">
-                  <a:solidFill>
-                    <a:srgbClr val="FFFFFF"/>
-                  </a:solidFill>
-                </a14:hiddenFill>
-              </a:ext>
-            </a:extLst>
           </p:spPr>
         </p:pic>
       </p:grpSp>
-      <p:sp>
-        <p:nvSpPr>
-          <p:cNvPr id="2" name="Title 1">
-            <a:extLst>
-              <a:ext uri="{FF2B5EF4-FFF2-40B4-BE49-F238E27FC236}">
-                <a16:creationId xmlns:a16="http://schemas.microsoft.com/office/drawing/2014/main" id="{044D5C86-6C13-B385-18EB-CE82554A07BC}"/>
-              </a:ext>
-            </a:extLst>
-          </p:cNvPr>
-          <p:cNvSpPr>
-            <a:spLocks noGrp="1"/>
-          </p:cNvSpPr>
-          <p:nvPr>
-            <p:ph type="title"/>
-          </p:nvPr>
-        </p:nvSpPr>
-        <p:spPr>
-          <a:xfrm>
-            <a:off x="1676400" y="-7563"/>
-            <a:ext cx="10515600" cy="1325563"/>
-          </a:xfrm>
-        </p:spPr>
-        <p:txBody>
-          <a:bodyPr>
-            <a:normAutofit/>
-          </a:bodyPr>
-          <a:lstStyle/>
-          <a:p>
-            <a:r>
-              <a:rPr lang="nb-NO" sz="3600" dirty="0"/>
-              <a:t>What is photogrammetry?</a:t>
-            </a:r>
-            <a:endParaRPr lang="en-US" sz="3600" dirty="0"/>
-          </a:p>
-        </p:txBody>
-      </p:sp>
-      <p:sp>
-        <p:nvSpPr>
-          <p:cNvPr id="16" name="Content Placeholder 15">
-            <a:extLst>
-              <a:ext uri="{FF2B5EF4-FFF2-40B4-BE49-F238E27FC236}">
-                <a16:creationId xmlns:a16="http://schemas.microsoft.com/office/drawing/2014/main" id="{F0EBAB87-7F21-FF9A-9865-FBBE8D2E14EC}"/>
-              </a:ext>
-            </a:extLst>
-          </p:cNvPr>
-          <p:cNvSpPr>
-            <a:spLocks noGrp="1"/>
-          </p:cNvSpPr>
-          <p:nvPr>
-            <p:ph idx="1"/>
-          </p:nvPr>
-        </p:nvSpPr>
-        <p:spPr>
-          <a:xfrm>
-            <a:off x="838200" y="1825625"/>
-            <a:ext cx="10515600" cy="4351338"/>
-          </a:xfrm>
-        </p:spPr>
-        <p:txBody>
-          <a:bodyPr/>
-          <a:lstStyle/>
-          <a:p>
-            <a:r>
-              <a:rPr lang="en-US" i="1" dirty="0"/>
-              <a:t>photos</a:t>
-            </a:r>
-            <a:r>
-              <a:rPr lang="en-US" dirty="0"/>
-              <a:t> = light</a:t>
-            </a:r>
-          </a:p>
-          <a:p>
-            <a:r>
-              <a:rPr lang="en-US" i="1" dirty="0"/>
-              <a:t>gramma</a:t>
-            </a:r>
-            <a:r>
-              <a:rPr lang="en-US" dirty="0"/>
-              <a:t> = picture</a:t>
-            </a:r>
-          </a:p>
-          <a:p>
-            <a:r>
-              <a:rPr lang="en-US" i="1" dirty="0" err="1"/>
-              <a:t>metron</a:t>
-            </a:r>
-            <a:r>
-              <a:rPr lang="en-US" dirty="0"/>
-              <a:t> </a:t>
-            </a:r>
-            <a:r>
-              <a:rPr lang="en-US"/>
-              <a:t>= measure</a:t>
-            </a:r>
-            <a:endParaRPr lang="en-US" dirty="0"/>
-          </a:p>
-          <a:p>
-            <a:endParaRPr lang="en-US" dirty="0"/>
-          </a:p>
-          <a:p>
-            <a:r>
-              <a:rPr lang="en-US" i="1" dirty="0"/>
-              <a:t>Photogrammetry</a:t>
-            </a:r>
-            <a:r>
-              <a:rPr lang="en-US" dirty="0"/>
-              <a:t> = measuring with light (photographs)</a:t>
-            </a:r>
-          </a:p>
-          <a:p>
-            <a:endParaRPr lang="en-US" dirty="0"/>
-          </a:p>
-          <a:p>
-            <a:r>
-              <a:rPr lang="en-US" dirty="0"/>
-              <a:t>Or: </a:t>
-            </a:r>
-            <a:r>
-              <a:rPr lang="en-US" i="1" dirty="0"/>
-              <a:t>estimation of geometric and semantic properties of objects based on images</a:t>
-            </a:r>
-          </a:p>
-        </p:txBody>
-      </p:sp>
-      <p:sp>
-        <p:nvSpPr>
-          <p:cNvPr id="3" name="TextBox 2">
-            <a:extLst>
-              <a:ext uri="{FF2B5EF4-FFF2-40B4-BE49-F238E27FC236}">
-                <a16:creationId xmlns:a16="http://schemas.microsoft.com/office/drawing/2014/main" id="{14B47487-041C-A9D3-B062-B1116FE5DA08}"/>
-              </a:ext>
-            </a:extLst>
-          </p:cNvPr>
-          <p:cNvSpPr txBox="1"/>
-          <p:nvPr/>
-        </p:nvSpPr>
-        <p:spPr>
-          <a:xfrm rot="20992095">
-            <a:off x="6483249" y="1393148"/>
-            <a:ext cx="5289651" cy="1815882"/>
-          </a:xfrm>
-          <a:prstGeom prst="rect">
-            <a:avLst/>
-          </a:prstGeom>
-          <a:noFill/>
-          <a:ln>
-            <a:solidFill>
-              <a:schemeClr val="tx1"/>
-            </a:solidFill>
-          </a:ln>
-        </p:spPr>
-        <p:txBody>
-          <a:bodyPr wrap="square" rtlCol="0">
-            <a:spAutoFit/>
-          </a:bodyPr>
-          <a:lstStyle/>
-          <a:p>
-            <a:r>
-              <a:rPr lang="nb-NO" sz="2800" b="1" i="1" u="sng" dirty="0"/>
-              <a:t>Optical Remote Sensing</a:t>
-            </a:r>
-          </a:p>
-          <a:p>
-            <a:r>
-              <a:rPr lang="nb-NO" sz="2800" b="1" i="1" u="sng" dirty="0"/>
-              <a:t>Image processing/computer vision</a:t>
-            </a:r>
-          </a:p>
-          <a:p>
-            <a:r>
-              <a:rPr lang="en-US" sz="2800" b="1" i="1" u="sng" dirty="0"/>
-              <a:t>Robotics</a:t>
-            </a:r>
-          </a:p>
-          <a:p>
-            <a:r>
-              <a:rPr lang="en-US" sz="2800" b="1" i="1" u="sng" dirty="0"/>
-              <a:t>Machine learning</a:t>
-            </a:r>
-          </a:p>
-        </p:txBody>
-      </p:sp>
     </p:spTree>
     <p:extLst>
       <p:ext uri="{BB962C8B-B14F-4D97-AF65-F5344CB8AC3E}">
@@ -10190,199 +9980,6 @@
           </a:p>
         </p:txBody>
       </p:sp>
-      <p:grpSp>
-        <p:nvGrpSpPr>
-          <p:cNvPr id="23" name="Group 22">
-            <a:extLst>
-              <a:ext uri="{FF2B5EF4-FFF2-40B4-BE49-F238E27FC236}">
-                <a16:creationId xmlns:a16="http://schemas.microsoft.com/office/drawing/2014/main" id="{5C8CC107-8B6F-2BA8-A951-E8276E1CAFC8}"/>
-              </a:ext>
-            </a:extLst>
-          </p:cNvPr>
-          <p:cNvGrpSpPr/>
-          <p:nvPr/>
-        </p:nvGrpSpPr>
-        <p:grpSpPr>
-          <a:xfrm>
-            <a:off x="42671" y="6443508"/>
-            <a:ext cx="12006913" cy="385818"/>
-            <a:chOff x="42671" y="6443508"/>
-            <a:chExt cx="12006913" cy="385818"/>
-          </a:xfrm>
-        </p:grpSpPr>
-        <p:sp>
-          <p:nvSpPr>
-            <p:cNvPr id="24" name="TextBox 23">
-              <a:extLst>
-                <a:ext uri="{FF2B5EF4-FFF2-40B4-BE49-F238E27FC236}">
-                  <a16:creationId xmlns:a16="http://schemas.microsoft.com/office/drawing/2014/main" id="{1B538703-361B-3F8B-537E-BBCFEBB6CACC}"/>
-                </a:ext>
-              </a:extLst>
-            </p:cNvPr>
-            <p:cNvSpPr txBox="1"/>
-            <p:nvPr/>
-          </p:nvSpPr>
-          <p:spPr>
-            <a:xfrm>
-              <a:off x="854075" y="6521549"/>
-              <a:ext cx="3805382" cy="307777"/>
-            </a:xfrm>
-            <a:prstGeom prst="rect">
-              <a:avLst/>
-            </a:prstGeom>
-            <a:noFill/>
-          </p:spPr>
-          <p:txBody>
-            <a:bodyPr wrap="square" rtlCol="0">
-              <a:spAutoFit/>
-            </a:bodyPr>
-            <a:lstStyle/>
-            <a:p>
-              <a:r>
-                <a:rPr lang="nb-NO" sz="1400" i="1" dirty="0">
-                  <a:latin typeface="Arial" panose="020B0604020202020204" pitchFamily="34" charset="0"/>
-                  <a:cs typeface="Arial" panose="020B0604020202020204" pitchFamily="34" charset="0"/>
-                </a:rPr>
-                <a:t>FAIR digital documentation &amp; teaching</a:t>
-              </a:r>
-              <a:endParaRPr lang="en-US" sz="1400" i="1" dirty="0">
-                <a:latin typeface="Arial" panose="020B0604020202020204" pitchFamily="34" charset="0"/>
-                <a:cs typeface="Arial" panose="020B0604020202020204" pitchFamily="34" charset="0"/>
-              </a:endParaRPr>
-            </a:p>
-          </p:txBody>
-        </p:sp>
-        <p:pic>
-          <p:nvPicPr>
-            <p:cNvPr id="25" name="Picture 24" descr="A screenshot of a video game&#10;&#10;Description automatically generated">
-              <a:extLst>
-                <a:ext uri="{FF2B5EF4-FFF2-40B4-BE49-F238E27FC236}">
-                  <a16:creationId xmlns:a16="http://schemas.microsoft.com/office/drawing/2014/main" id="{5F21D3D7-314B-1C6E-B50E-93CFE61D5082}"/>
-                </a:ext>
-              </a:extLst>
-            </p:cNvPr>
-            <p:cNvPicPr>
-              <a:picLocks noChangeAspect="1"/>
-            </p:cNvPicPr>
-            <p:nvPr/>
-          </p:nvPicPr>
-          <p:blipFill>
-            <a:blip r:embed="rId2">
-              <a:extLst>
-                <a:ext uri="{28A0092B-C50C-407E-A947-70E740481C1C}">
-                  <a14:useLocalDpi xmlns:a14="http://schemas.microsoft.com/office/drawing/2010/main" val="0"/>
-                </a:ext>
-              </a:extLst>
-            </a:blip>
-            <a:stretch>
-              <a:fillRect/>
-            </a:stretch>
-          </p:blipFill>
-          <p:spPr>
-            <a:xfrm>
-              <a:off x="42671" y="6563571"/>
-              <a:ext cx="876716" cy="230005"/>
-            </a:xfrm>
-            <a:prstGeom prst="rect">
-              <a:avLst/>
-            </a:prstGeom>
-          </p:spPr>
-        </p:pic>
-        <p:pic>
-          <p:nvPicPr>
-            <p:cNvPr id="26" name="Picture 2" descr="UNIS - The university centre in Svalbard">
-              <a:extLst>
-                <a:ext uri="{FF2B5EF4-FFF2-40B4-BE49-F238E27FC236}">
-                  <a16:creationId xmlns:a16="http://schemas.microsoft.com/office/drawing/2014/main" id="{3FBB4A11-E9C3-D45E-8EDE-6CF34C32E59B}"/>
-                </a:ext>
-              </a:extLst>
-            </p:cNvPr>
-            <p:cNvPicPr>
-              <a:picLocks noChangeAspect="1" noChangeArrowheads="1"/>
-            </p:cNvPicPr>
-            <p:nvPr/>
-          </p:nvPicPr>
-          <p:blipFill>
-            <a:blip r:embed="rId3">
-              <a:extLst>
-                <a:ext uri="{28A0092B-C50C-407E-A947-70E740481C1C}">
-                  <a14:useLocalDpi xmlns:a14="http://schemas.microsoft.com/office/drawing/2010/main" val="0"/>
-                </a:ext>
-              </a:extLst>
-            </a:blip>
-            <a:srcRect/>
-            <a:stretch>
-              <a:fillRect/>
-            </a:stretch>
-          </p:blipFill>
-          <p:spPr bwMode="auto">
-            <a:xfrm>
-              <a:off x="10413848" y="6443508"/>
-              <a:ext cx="1210145" cy="326740"/>
-            </a:xfrm>
-            <a:prstGeom prst="rect">
-              <a:avLst/>
-            </a:prstGeom>
-            <a:noFill/>
-            <a:extLst>
-              <a:ext uri="{909E8E84-426E-40DD-AFC4-6F175D3DCCD1}">
-                <a14:hiddenFill xmlns:a14="http://schemas.microsoft.com/office/drawing/2010/main">
-                  <a:solidFill>
-                    <a:srgbClr val="FFFFFF"/>
-                  </a:solidFill>
-                </a14:hiddenFill>
-              </a:ext>
-            </a:extLst>
-          </p:spPr>
-        </p:pic>
-        <p:pic>
-          <p:nvPicPr>
-            <p:cNvPr id="27" name="Picture 2" descr="Site is undergoing maintenance">
-              <a:extLst>
-                <a:ext uri="{FF2B5EF4-FFF2-40B4-BE49-F238E27FC236}">
-                  <a16:creationId xmlns:a16="http://schemas.microsoft.com/office/drawing/2014/main" id="{A9B52DA7-A2A2-0059-A038-02CDC274F002}"/>
-                </a:ext>
-              </a:extLst>
-            </p:cNvPr>
-            <p:cNvPicPr>
-              <a:picLocks noChangeAspect="1" noChangeArrowheads="1"/>
-            </p:cNvPicPr>
-            <p:nvPr/>
-          </p:nvPicPr>
-          <p:blipFill>
-            <a:blip r:embed="rId4">
-              <a:extLst>
-                <a:ext uri="{28A0092B-C50C-407E-A947-70E740481C1C}">
-                  <a14:useLocalDpi xmlns:a14="http://schemas.microsoft.com/office/drawing/2010/main" val="0"/>
-                </a:ext>
-              </a:extLst>
-            </a:blip>
-            <a:srcRect/>
-            <a:stretch>
-              <a:fillRect/>
-            </a:stretch>
-          </p:blipFill>
-          <p:spPr bwMode="auto">
-            <a:xfrm>
-              <a:off x="11766409" y="6449818"/>
-              <a:ext cx="283175" cy="326740"/>
-            </a:xfrm>
-            <a:prstGeom prst="rect">
-              <a:avLst/>
-            </a:prstGeom>
-            <a:noFill/>
-            <a:extLst>
-              <a:ext uri="{909E8E84-426E-40DD-AFC4-6F175D3DCCD1}">
-                <a14:hiddenFill xmlns:a14="http://schemas.microsoft.com/office/drawing/2010/main">
-                  <a:solidFill>
-                    <a:srgbClr val="FFFFFF"/>
-                  </a:solidFill>
-                </a14:hiddenFill>
-              </a:ext>
-            </a:extLst>
-          </p:spPr>
-        </p:pic>
-      </p:grpSp>
       <p:sp>
         <p:nvSpPr>
           <p:cNvPr id="2" name="Title 1">
@@ -10486,7 +10083,7 @@
           <p:nvPr/>
         </p:nvPicPr>
         <p:blipFill>
-          <a:blip r:embed="rId5">
+          <a:blip r:embed="rId2">
             <a:extLst>
               <a:ext uri="{28A0092B-C50C-407E-A947-70E740481C1C}">
                 <a14:useLocalDpi xmlns:a14="http://schemas.microsoft.com/office/drawing/2010/main" val="0"/>
@@ -10592,7 +10189,7 @@
           <p:nvPr/>
         </p:nvPicPr>
         <p:blipFill>
-          <a:blip r:embed="rId6">
+          <a:blip r:embed="rId3">
             <a:extLst>
               <a:ext uri="{28A0092B-C50C-407E-A947-70E740481C1C}">
                 <a14:useLocalDpi xmlns:a14="http://schemas.microsoft.com/office/drawing/2010/main" val="0"/>
@@ -10665,7 +10262,7 @@
                 <a:effectLst/>
                 <a:latin typeface="Times New Roman" panose="02020603050405020304" pitchFamily="18" charset="0"/>
                 <a:cs typeface="Times New Roman" panose="02020603050405020304" pitchFamily="18" charset="0"/>
-                <a:hlinkClick r:id="rId7">
+                <a:hlinkClick r:id="rId4">
                   <a:extLst>
                     <a:ext uri="{A12FA001-AC4F-418D-AE19-62706E023703}">
                       <ahyp:hlinkClr xmlns:ahyp="http://schemas.microsoft.com/office/drawing/2018/hyperlinkcolor" val="tx"/>
@@ -10682,6 +10279,157 @@
           </a:p>
         </p:txBody>
       </p:sp>
+      <p:grpSp>
+        <p:nvGrpSpPr>
+          <p:cNvPr id="11" name="Group 10">
+            <a:extLst>
+              <a:ext uri="{FF2B5EF4-FFF2-40B4-BE49-F238E27FC236}">
+                <a16:creationId xmlns:a16="http://schemas.microsoft.com/office/drawing/2014/main" id="{9D5E5AE5-F85D-8D2E-B8FD-39C58164692E}"/>
+              </a:ext>
+            </a:extLst>
+          </p:cNvPr>
+          <p:cNvGrpSpPr/>
+          <p:nvPr/>
+        </p:nvGrpSpPr>
+        <p:grpSpPr>
+          <a:xfrm>
+            <a:off x="9704900" y="6443508"/>
+            <a:ext cx="2344684" cy="333050"/>
+            <a:chOff x="9704900" y="6443508"/>
+            <a:chExt cx="2344684" cy="333050"/>
+          </a:xfrm>
+        </p:grpSpPr>
+        <p:pic>
+          <p:nvPicPr>
+            <p:cNvPr id="12" name="Picture 2" descr="UNIS - The university centre in Svalbard">
+              <a:extLst>
+                <a:ext uri="{FF2B5EF4-FFF2-40B4-BE49-F238E27FC236}">
+                  <a16:creationId xmlns:a16="http://schemas.microsoft.com/office/drawing/2014/main" id="{95CD6E6B-6D8B-C0E9-CB69-4DA932A4FA87}"/>
+                </a:ext>
+              </a:extLst>
+            </p:cNvPr>
+            <p:cNvPicPr>
+              <a:picLocks noChangeAspect="1" noChangeArrowheads="1"/>
+            </p:cNvPicPr>
+            <p:nvPr/>
+          </p:nvPicPr>
+          <p:blipFill>
+            <a:blip r:embed="rId5">
+              <a:extLst>
+                <a:ext uri="{28A0092B-C50C-407E-A947-70E740481C1C}">
+                  <a14:useLocalDpi xmlns:a14="http://schemas.microsoft.com/office/drawing/2010/main" val="0"/>
+                </a:ext>
+              </a:extLst>
+            </a:blip>
+            <a:srcRect/>
+            <a:stretch>
+              <a:fillRect/>
+            </a:stretch>
+          </p:blipFill>
+          <p:spPr bwMode="auto">
+            <a:xfrm>
+              <a:off x="10413848" y="6443508"/>
+              <a:ext cx="1210145" cy="326740"/>
+            </a:xfrm>
+            <a:prstGeom prst="rect">
+              <a:avLst/>
+            </a:prstGeom>
+            <a:noFill/>
+            <a:extLst>
+              <a:ext uri="{909E8E84-426E-40DD-AFC4-6F175D3DCCD1}">
+                <a14:hiddenFill xmlns:a14="http://schemas.microsoft.com/office/drawing/2010/main">
+                  <a:solidFill>
+                    <a:srgbClr val="FFFFFF"/>
+                  </a:solidFill>
+                </a14:hiddenFill>
+              </a:ext>
+            </a:extLst>
+          </p:spPr>
+        </p:pic>
+        <p:pic>
+          <p:nvPicPr>
+            <p:cNvPr id="15" name="Picture 2" descr="Site is undergoing maintenance">
+              <a:extLst>
+                <a:ext uri="{FF2B5EF4-FFF2-40B4-BE49-F238E27FC236}">
+                  <a16:creationId xmlns:a16="http://schemas.microsoft.com/office/drawing/2014/main" id="{48F6E35A-B571-0B6A-52D9-8AA82C5838FA}"/>
+                </a:ext>
+              </a:extLst>
+            </p:cNvPr>
+            <p:cNvPicPr>
+              <a:picLocks noChangeAspect="1" noChangeArrowheads="1"/>
+            </p:cNvPicPr>
+            <p:nvPr/>
+          </p:nvPicPr>
+          <p:blipFill>
+            <a:blip r:embed="rId6">
+              <a:extLst>
+                <a:ext uri="{28A0092B-C50C-407E-A947-70E740481C1C}">
+                  <a14:useLocalDpi xmlns:a14="http://schemas.microsoft.com/office/drawing/2010/main" val="0"/>
+                </a:ext>
+              </a:extLst>
+            </a:blip>
+            <a:srcRect/>
+            <a:stretch>
+              <a:fillRect/>
+            </a:stretch>
+          </p:blipFill>
+          <p:spPr bwMode="auto">
+            <a:xfrm>
+              <a:off x="11766409" y="6449818"/>
+              <a:ext cx="283175" cy="326740"/>
+            </a:xfrm>
+            <a:prstGeom prst="rect">
+              <a:avLst/>
+            </a:prstGeom>
+            <a:noFill/>
+            <a:extLst>
+              <a:ext uri="{909E8E84-426E-40DD-AFC4-6F175D3DCCD1}">
+                <a14:hiddenFill xmlns:a14="http://schemas.microsoft.com/office/drawing/2010/main">
+                  <a:solidFill>
+                    <a:srgbClr val="FFFFFF"/>
+                  </a:solidFill>
+                </a14:hiddenFill>
+              </a:ext>
+            </a:extLst>
+          </p:spPr>
+        </p:pic>
+        <p:pic>
+          <p:nvPicPr>
+            <p:cNvPr id="16" name="Picture 15" descr="A black background with grey letters and a red triangle&#10;&#10;Description automatically generated">
+              <a:extLst>
+                <a:ext uri="{FF2B5EF4-FFF2-40B4-BE49-F238E27FC236}">
+                  <a16:creationId xmlns:a16="http://schemas.microsoft.com/office/drawing/2014/main" id="{FBEE476B-76D3-30BE-5E28-593D29984597}"/>
+                </a:ext>
+              </a:extLst>
+            </p:cNvPr>
+            <p:cNvPicPr>
+              <a:picLocks noChangeAspect="1"/>
+            </p:cNvPicPr>
+            <p:nvPr/>
+          </p:nvPicPr>
+          <p:blipFill>
+            <a:blip r:embed="rId7">
+              <a:extLst>
+                <a:ext uri="{28A0092B-C50C-407E-A947-70E740481C1C}">
+                  <a14:useLocalDpi xmlns:a14="http://schemas.microsoft.com/office/drawing/2010/main" val="0"/>
+                </a:ext>
+              </a:extLst>
+            </a:blip>
+            <a:stretch>
+              <a:fillRect/>
+            </a:stretch>
+          </p:blipFill>
+          <p:spPr>
+            <a:xfrm>
+              <a:off x="9704900" y="6486750"/>
+              <a:ext cx="580285" cy="270414"/>
+            </a:xfrm>
+            <a:prstGeom prst="rect">
+              <a:avLst/>
+            </a:prstGeom>
+          </p:spPr>
+        </p:pic>
+      </p:grpSp>
     </p:spTree>
     <p:extLst>
       <p:ext uri="{BB962C8B-B14F-4D97-AF65-F5344CB8AC3E}">
@@ -11462,199 +11210,6 @@
           </a:p>
         </p:txBody>
       </p:sp>
-      <p:grpSp>
-        <p:nvGrpSpPr>
-          <p:cNvPr id="23" name="Group 22">
-            <a:extLst>
-              <a:ext uri="{FF2B5EF4-FFF2-40B4-BE49-F238E27FC236}">
-                <a16:creationId xmlns:a16="http://schemas.microsoft.com/office/drawing/2014/main" id="{5C8CC107-8B6F-2BA8-A951-E8276E1CAFC8}"/>
-              </a:ext>
-            </a:extLst>
-          </p:cNvPr>
-          <p:cNvGrpSpPr/>
-          <p:nvPr/>
-        </p:nvGrpSpPr>
-        <p:grpSpPr>
-          <a:xfrm>
-            <a:off x="42671" y="6443508"/>
-            <a:ext cx="12006913" cy="385818"/>
-            <a:chOff x="42671" y="6443508"/>
-            <a:chExt cx="12006913" cy="385818"/>
-          </a:xfrm>
-        </p:grpSpPr>
-        <p:sp>
-          <p:nvSpPr>
-            <p:cNvPr id="24" name="TextBox 23">
-              <a:extLst>
-                <a:ext uri="{FF2B5EF4-FFF2-40B4-BE49-F238E27FC236}">
-                  <a16:creationId xmlns:a16="http://schemas.microsoft.com/office/drawing/2014/main" id="{1B538703-361B-3F8B-537E-BBCFEBB6CACC}"/>
-                </a:ext>
-              </a:extLst>
-            </p:cNvPr>
-            <p:cNvSpPr txBox="1"/>
-            <p:nvPr/>
-          </p:nvSpPr>
-          <p:spPr>
-            <a:xfrm>
-              <a:off x="854075" y="6521549"/>
-              <a:ext cx="3805382" cy="307777"/>
-            </a:xfrm>
-            <a:prstGeom prst="rect">
-              <a:avLst/>
-            </a:prstGeom>
-            <a:noFill/>
-          </p:spPr>
-          <p:txBody>
-            <a:bodyPr wrap="square" rtlCol="0">
-              <a:spAutoFit/>
-            </a:bodyPr>
-            <a:lstStyle/>
-            <a:p>
-              <a:r>
-                <a:rPr lang="nb-NO" sz="1400" i="1" dirty="0">
-                  <a:latin typeface="Arial" panose="020B0604020202020204" pitchFamily="34" charset="0"/>
-                  <a:cs typeface="Arial" panose="020B0604020202020204" pitchFamily="34" charset="0"/>
-                </a:rPr>
-                <a:t>FAIR digital documentation &amp; teaching</a:t>
-              </a:r>
-              <a:endParaRPr lang="en-US" sz="1400" i="1" dirty="0">
-                <a:latin typeface="Arial" panose="020B0604020202020204" pitchFamily="34" charset="0"/>
-                <a:cs typeface="Arial" panose="020B0604020202020204" pitchFamily="34" charset="0"/>
-              </a:endParaRPr>
-            </a:p>
-          </p:txBody>
-        </p:sp>
-        <p:pic>
-          <p:nvPicPr>
-            <p:cNvPr id="25" name="Picture 24" descr="A screenshot of a video game&#10;&#10;Description automatically generated">
-              <a:extLst>
-                <a:ext uri="{FF2B5EF4-FFF2-40B4-BE49-F238E27FC236}">
-                  <a16:creationId xmlns:a16="http://schemas.microsoft.com/office/drawing/2014/main" id="{5F21D3D7-314B-1C6E-B50E-93CFE61D5082}"/>
-                </a:ext>
-              </a:extLst>
-            </p:cNvPr>
-            <p:cNvPicPr>
-              <a:picLocks noChangeAspect="1"/>
-            </p:cNvPicPr>
-            <p:nvPr/>
-          </p:nvPicPr>
-          <p:blipFill>
-            <a:blip r:embed="rId2">
-              <a:extLst>
-                <a:ext uri="{28A0092B-C50C-407E-A947-70E740481C1C}">
-                  <a14:useLocalDpi xmlns:a14="http://schemas.microsoft.com/office/drawing/2010/main" val="0"/>
-                </a:ext>
-              </a:extLst>
-            </a:blip>
-            <a:stretch>
-              <a:fillRect/>
-            </a:stretch>
-          </p:blipFill>
-          <p:spPr>
-            <a:xfrm>
-              <a:off x="42671" y="6563571"/>
-              <a:ext cx="876716" cy="230005"/>
-            </a:xfrm>
-            <a:prstGeom prst="rect">
-              <a:avLst/>
-            </a:prstGeom>
-          </p:spPr>
-        </p:pic>
-        <p:pic>
-          <p:nvPicPr>
-            <p:cNvPr id="26" name="Picture 2" descr="UNIS - The university centre in Svalbard">
-              <a:extLst>
-                <a:ext uri="{FF2B5EF4-FFF2-40B4-BE49-F238E27FC236}">
-                  <a16:creationId xmlns:a16="http://schemas.microsoft.com/office/drawing/2014/main" id="{3FBB4A11-E9C3-D45E-8EDE-6CF34C32E59B}"/>
-                </a:ext>
-              </a:extLst>
-            </p:cNvPr>
-            <p:cNvPicPr>
-              <a:picLocks noChangeAspect="1" noChangeArrowheads="1"/>
-            </p:cNvPicPr>
-            <p:nvPr/>
-          </p:nvPicPr>
-          <p:blipFill>
-            <a:blip r:embed="rId3">
-              <a:extLst>
-                <a:ext uri="{28A0092B-C50C-407E-A947-70E740481C1C}">
-                  <a14:useLocalDpi xmlns:a14="http://schemas.microsoft.com/office/drawing/2010/main" val="0"/>
-                </a:ext>
-              </a:extLst>
-            </a:blip>
-            <a:srcRect/>
-            <a:stretch>
-              <a:fillRect/>
-            </a:stretch>
-          </p:blipFill>
-          <p:spPr bwMode="auto">
-            <a:xfrm>
-              <a:off x="10413848" y="6443508"/>
-              <a:ext cx="1210145" cy="326740"/>
-            </a:xfrm>
-            <a:prstGeom prst="rect">
-              <a:avLst/>
-            </a:prstGeom>
-            <a:noFill/>
-            <a:extLst>
-              <a:ext uri="{909E8E84-426E-40DD-AFC4-6F175D3DCCD1}">
-                <a14:hiddenFill xmlns:a14="http://schemas.microsoft.com/office/drawing/2010/main">
-                  <a:solidFill>
-                    <a:srgbClr val="FFFFFF"/>
-                  </a:solidFill>
-                </a14:hiddenFill>
-              </a:ext>
-            </a:extLst>
-          </p:spPr>
-        </p:pic>
-        <p:pic>
-          <p:nvPicPr>
-            <p:cNvPr id="27" name="Picture 2" descr="Site is undergoing maintenance">
-              <a:extLst>
-                <a:ext uri="{FF2B5EF4-FFF2-40B4-BE49-F238E27FC236}">
-                  <a16:creationId xmlns:a16="http://schemas.microsoft.com/office/drawing/2014/main" id="{A9B52DA7-A2A2-0059-A038-02CDC274F002}"/>
-                </a:ext>
-              </a:extLst>
-            </p:cNvPr>
-            <p:cNvPicPr>
-              <a:picLocks noChangeAspect="1" noChangeArrowheads="1"/>
-            </p:cNvPicPr>
-            <p:nvPr/>
-          </p:nvPicPr>
-          <p:blipFill>
-            <a:blip r:embed="rId4">
-              <a:extLst>
-                <a:ext uri="{28A0092B-C50C-407E-A947-70E740481C1C}">
-                  <a14:useLocalDpi xmlns:a14="http://schemas.microsoft.com/office/drawing/2010/main" val="0"/>
-                </a:ext>
-              </a:extLst>
-            </a:blip>
-            <a:srcRect/>
-            <a:stretch>
-              <a:fillRect/>
-            </a:stretch>
-          </p:blipFill>
-          <p:spPr bwMode="auto">
-            <a:xfrm>
-              <a:off x="11766409" y="6449818"/>
-              <a:ext cx="283175" cy="326740"/>
-            </a:xfrm>
-            <a:prstGeom prst="rect">
-              <a:avLst/>
-            </a:prstGeom>
-            <a:noFill/>
-            <a:extLst>
-              <a:ext uri="{909E8E84-426E-40DD-AFC4-6F175D3DCCD1}">
-                <a14:hiddenFill xmlns:a14="http://schemas.microsoft.com/office/drawing/2010/main">
-                  <a:solidFill>
-                    <a:srgbClr val="FFFFFF"/>
-                  </a:solidFill>
-                </a14:hiddenFill>
-              </a:ext>
-            </a:extLst>
-          </p:spPr>
-        </p:pic>
-      </p:grpSp>
       <p:sp>
         <p:nvSpPr>
           <p:cNvPr id="2" name="Title 1">
@@ -11789,7 +11344,7 @@
           <p:nvPr/>
         </p:nvPicPr>
         <p:blipFill>
-          <a:blip r:embed="rId5"/>
+          <a:blip r:embed="rId2"/>
           <a:stretch>
             <a:fillRect/>
           </a:stretch>
@@ -11804,6 +11359,157 @@
           </a:prstGeom>
         </p:spPr>
       </p:pic>
+      <p:grpSp>
+        <p:nvGrpSpPr>
+          <p:cNvPr id="3" name="Group 2">
+            <a:extLst>
+              <a:ext uri="{FF2B5EF4-FFF2-40B4-BE49-F238E27FC236}">
+                <a16:creationId xmlns:a16="http://schemas.microsoft.com/office/drawing/2014/main" id="{F64F2972-62FF-8FC3-9999-D10D6295EFDD}"/>
+              </a:ext>
+            </a:extLst>
+          </p:cNvPr>
+          <p:cNvGrpSpPr/>
+          <p:nvPr/>
+        </p:nvGrpSpPr>
+        <p:grpSpPr>
+          <a:xfrm>
+            <a:off x="9704900" y="6443508"/>
+            <a:ext cx="2344684" cy="333050"/>
+            <a:chOff x="9704900" y="6443508"/>
+            <a:chExt cx="2344684" cy="333050"/>
+          </a:xfrm>
+        </p:grpSpPr>
+        <p:pic>
+          <p:nvPicPr>
+            <p:cNvPr id="11" name="Picture 2" descr="UNIS - The university centre in Svalbard">
+              <a:extLst>
+                <a:ext uri="{FF2B5EF4-FFF2-40B4-BE49-F238E27FC236}">
+                  <a16:creationId xmlns:a16="http://schemas.microsoft.com/office/drawing/2014/main" id="{49FF2B2D-5AEB-44CE-0D0D-F67A56C40844}"/>
+                </a:ext>
+              </a:extLst>
+            </p:cNvPr>
+            <p:cNvPicPr>
+              <a:picLocks noChangeAspect="1" noChangeArrowheads="1"/>
+            </p:cNvPicPr>
+            <p:nvPr/>
+          </p:nvPicPr>
+          <p:blipFill>
+            <a:blip r:embed="rId3">
+              <a:extLst>
+                <a:ext uri="{28A0092B-C50C-407E-A947-70E740481C1C}">
+                  <a14:useLocalDpi xmlns:a14="http://schemas.microsoft.com/office/drawing/2010/main" val="0"/>
+                </a:ext>
+              </a:extLst>
+            </a:blip>
+            <a:srcRect/>
+            <a:stretch>
+              <a:fillRect/>
+            </a:stretch>
+          </p:blipFill>
+          <p:spPr bwMode="auto">
+            <a:xfrm>
+              <a:off x="10413848" y="6443508"/>
+              <a:ext cx="1210145" cy="326740"/>
+            </a:xfrm>
+            <a:prstGeom prst="rect">
+              <a:avLst/>
+            </a:prstGeom>
+            <a:noFill/>
+            <a:extLst>
+              <a:ext uri="{909E8E84-426E-40DD-AFC4-6F175D3DCCD1}">
+                <a14:hiddenFill xmlns:a14="http://schemas.microsoft.com/office/drawing/2010/main">
+                  <a:solidFill>
+                    <a:srgbClr val="FFFFFF"/>
+                  </a:solidFill>
+                </a14:hiddenFill>
+              </a:ext>
+            </a:extLst>
+          </p:spPr>
+        </p:pic>
+        <p:pic>
+          <p:nvPicPr>
+            <p:cNvPr id="14" name="Picture 2" descr="Site is undergoing maintenance">
+              <a:extLst>
+                <a:ext uri="{FF2B5EF4-FFF2-40B4-BE49-F238E27FC236}">
+                  <a16:creationId xmlns:a16="http://schemas.microsoft.com/office/drawing/2014/main" id="{E1531FD3-A475-6408-A3A0-AE95169E90B0}"/>
+                </a:ext>
+              </a:extLst>
+            </p:cNvPr>
+            <p:cNvPicPr>
+              <a:picLocks noChangeAspect="1" noChangeArrowheads="1"/>
+            </p:cNvPicPr>
+            <p:nvPr/>
+          </p:nvPicPr>
+          <p:blipFill>
+            <a:blip r:embed="rId4">
+              <a:extLst>
+                <a:ext uri="{28A0092B-C50C-407E-A947-70E740481C1C}">
+                  <a14:useLocalDpi xmlns:a14="http://schemas.microsoft.com/office/drawing/2010/main" val="0"/>
+                </a:ext>
+              </a:extLst>
+            </a:blip>
+            <a:srcRect/>
+            <a:stretch>
+              <a:fillRect/>
+            </a:stretch>
+          </p:blipFill>
+          <p:spPr bwMode="auto">
+            <a:xfrm>
+              <a:off x="11766409" y="6449818"/>
+              <a:ext cx="283175" cy="326740"/>
+            </a:xfrm>
+            <a:prstGeom prst="rect">
+              <a:avLst/>
+            </a:prstGeom>
+            <a:noFill/>
+            <a:extLst>
+              <a:ext uri="{909E8E84-426E-40DD-AFC4-6F175D3DCCD1}">
+                <a14:hiddenFill xmlns:a14="http://schemas.microsoft.com/office/drawing/2010/main">
+                  <a:solidFill>
+                    <a:srgbClr val="FFFFFF"/>
+                  </a:solidFill>
+                </a14:hiddenFill>
+              </a:ext>
+            </a:extLst>
+          </p:spPr>
+        </p:pic>
+        <p:pic>
+          <p:nvPicPr>
+            <p:cNvPr id="15" name="Picture 14" descr="A black background with grey letters and a red triangle&#10;&#10;Description automatically generated">
+              <a:extLst>
+                <a:ext uri="{FF2B5EF4-FFF2-40B4-BE49-F238E27FC236}">
+                  <a16:creationId xmlns:a16="http://schemas.microsoft.com/office/drawing/2014/main" id="{7B2CD956-4873-E826-E1B1-C22A4ADC2D81}"/>
+                </a:ext>
+              </a:extLst>
+            </p:cNvPr>
+            <p:cNvPicPr>
+              <a:picLocks noChangeAspect="1"/>
+            </p:cNvPicPr>
+            <p:nvPr/>
+          </p:nvPicPr>
+          <p:blipFill>
+            <a:blip r:embed="rId5">
+              <a:extLst>
+                <a:ext uri="{28A0092B-C50C-407E-A947-70E740481C1C}">
+                  <a14:useLocalDpi xmlns:a14="http://schemas.microsoft.com/office/drawing/2010/main" val="0"/>
+                </a:ext>
+              </a:extLst>
+            </a:blip>
+            <a:stretch>
+              <a:fillRect/>
+            </a:stretch>
+          </p:blipFill>
+          <p:spPr>
+            <a:xfrm>
+              <a:off x="9704900" y="6486750"/>
+              <a:ext cx="580285" cy="270414"/>
+            </a:xfrm>
+            <a:prstGeom prst="rect">
+              <a:avLst/>
+            </a:prstGeom>
+          </p:spPr>
+        </p:pic>
+      </p:grpSp>
     </p:spTree>
     <p:extLst>
       <p:ext uri="{BB962C8B-B14F-4D97-AF65-F5344CB8AC3E}">
@@ -12584,199 +12290,6 @@
           </a:p>
         </p:txBody>
       </p:sp>
-      <p:grpSp>
-        <p:nvGrpSpPr>
-          <p:cNvPr id="23" name="Group 22">
-            <a:extLst>
-              <a:ext uri="{FF2B5EF4-FFF2-40B4-BE49-F238E27FC236}">
-                <a16:creationId xmlns:a16="http://schemas.microsoft.com/office/drawing/2014/main" id="{5C8CC107-8B6F-2BA8-A951-E8276E1CAFC8}"/>
-              </a:ext>
-            </a:extLst>
-          </p:cNvPr>
-          <p:cNvGrpSpPr/>
-          <p:nvPr/>
-        </p:nvGrpSpPr>
-        <p:grpSpPr>
-          <a:xfrm>
-            <a:off x="42671" y="6443508"/>
-            <a:ext cx="12006913" cy="385818"/>
-            <a:chOff x="42671" y="6443508"/>
-            <a:chExt cx="12006913" cy="385818"/>
-          </a:xfrm>
-        </p:grpSpPr>
-        <p:sp>
-          <p:nvSpPr>
-            <p:cNvPr id="24" name="TextBox 23">
-              <a:extLst>
-                <a:ext uri="{FF2B5EF4-FFF2-40B4-BE49-F238E27FC236}">
-                  <a16:creationId xmlns:a16="http://schemas.microsoft.com/office/drawing/2014/main" id="{1B538703-361B-3F8B-537E-BBCFEBB6CACC}"/>
-                </a:ext>
-              </a:extLst>
-            </p:cNvPr>
-            <p:cNvSpPr txBox="1"/>
-            <p:nvPr/>
-          </p:nvSpPr>
-          <p:spPr>
-            <a:xfrm>
-              <a:off x="854075" y="6521549"/>
-              <a:ext cx="3805382" cy="307777"/>
-            </a:xfrm>
-            <a:prstGeom prst="rect">
-              <a:avLst/>
-            </a:prstGeom>
-            <a:noFill/>
-          </p:spPr>
-          <p:txBody>
-            <a:bodyPr wrap="square" rtlCol="0">
-              <a:spAutoFit/>
-            </a:bodyPr>
-            <a:lstStyle/>
-            <a:p>
-              <a:r>
-                <a:rPr lang="nb-NO" sz="1400" i="1" dirty="0">
-                  <a:latin typeface="Arial" panose="020B0604020202020204" pitchFamily="34" charset="0"/>
-                  <a:cs typeface="Arial" panose="020B0604020202020204" pitchFamily="34" charset="0"/>
-                </a:rPr>
-                <a:t>FAIR digital documentation &amp; teaching</a:t>
-              </a:r>
-              <a:endParaRPr lang="en-US" sz="1400" i="1" dirty="0">
-                <a:latin typeface="Arial" panose="020B0604020202020204" pitchFamily="34" charset="0"/>
-                <a:cs typeface="Arial" panose="020B0604020202020204" pitchFamily="34" charset="0"/>
-              </a:endParaRPr>
-            </a:p>
-          </p:txBody>
-        </p:sp>
-        <p:pic>
-          <p:nvPicPr>
-            <p:cNvPr id="25" name="Picture 24" descr="A screenshot of a video game&#10;&#10;Description automatically generated">
-              <a:extLst>
-                <a:ext uri="{FF2B5EF4-FFF2-40B4-BE49-F238E27FC236}">
-                  <a16:creationId xmlns:a16="http://schemas.microsoft.com/office/drawing/2014/main" id="{5F21D3D7-314B-1C6E-B50E-93CFE61D5082}"/>
-                </a:ext>
-              </a:extLst>
-            </p:cNvPr>
-            <p:cNvPicPr>
-              <a:picLocks noChangeAspect="1"/>
-            </p:cNvPicPr>
-            <p:nvPr/>
-          </p:nvPicPr>
-          <p:blipFill>
-            <a:blip r:embed="rId2">
-              <a:extLst>
-                <a:ext uri="{28A0092B-C50C-407E-A947-70E740481C1C}">
-                  <a14:useLocalDpi xmlns:a14="http://schemas.microsoft.com/office/drawing/2010/main" val="0"/>
-                </a:ext>
-              </a:extLst>
-            </a:blip>
-            <a:stretch>
-              <a:fillRect/>
-            </a:stretch>
-          </p:blipFill>
-          <p:spPr>
-            <a:xfrm>
-              <a:off x="42671" y="6563571"/>
-              <a:ext cx="876716" cy="230005"/>
-            </a:xfrm>
-            <a:prstGeom prst="rect">
-              <a:avLst/>
-            </a:prstGeom>
-          </p:spPr>
-        </p:pic>
-        <p:pic>
-          <p:nvPicPr>
-            <p:cNvPr id="26" name="Picture 2" descr="UNIS - The university centre in Svalbard">
-              <a:extLst>
-                <a:ext uri="{FF2B5EF4-FFF2-40B4-BE49-F238E27FC236}">
-                  <a16:creationId xmlns:a16="http://schemas.microsoft.com/office/drawing/2014/main" id="{3FBB4A11-E9C3-D45E-8EDE-6CF34C32E59B}"/>
-                </a:ext>
-              </a:extLst>
-            </p:cNvPr>
-            <p:cNvPicPr>
-              <a:picLocks noChangeAspect="1" noChangeArrowheads="1"/>
-            </p:cNvPicPr>
-            <p:nvPr/>
-          </p:nvPicPr>
-          <p:blipFill>
-            <a:blip r:embed="rId3">
-              <a:extLst>
-                <a:ext uri="{28A0092B-C50C-407E-A947-70E740481C1C}">
-                  <a14:useLocalDpi xmlns:a14="http://schemas.microsoft.com/office/drawing/2010/main" val="0"/>
-                </a:ext>
-              </a:extLst>
-            </a:blip>
-            <a:srcRect/>
-            <a:stretch>
-              <a:fillRect/>
-            </a:stretch>
-          </p:blipFill>
-          <p:spPr bwMode="auto">
-            <a:xfrm>
-              <a:off x="10413848" y="6443508"/>
-              <a:ext cx="1210145" cy="326740"/>
-            </a:xfrm>
-            <a:prstGeom prst="rect">
-              <a:avLst/>
-            </a:prstGeom>
-            <a:noFill/>
-            <a:extLst>
-              <a:ext uri="{909E8E84-426E-40DD-AFC4-6F175D3DCCD1}">
-                <a14:hiddenFill xmlns:a14="http://schemas.microsoft.com/office/drawing/2010/main">
-                  <a:solidFill>
-                    <a:srgbClr val="FFFFFF"/>
-                  </a:solidFill>
-                </a14:hiddenFill>
-              </a:ext>
-            </a:extLst>
-          </p:spPr>
-        </p:pic>
-        <p:pic>
-          <p:nvPicPr>
-            <p:cNvPr id="27" name="Picture 2" descr="Site is undergoing maintenance">
-              <a:extLst>
-                <a:ext uri="{FF2B5EF4-FFF2-40B4-BE49-F238E27FC236}">
-                  <a16:creationId xmlns:a16="http://schemas.microsoft.com/office/drawing/2014/main" id="{A9B52DA7-A2A2-0059-A038-02CDC274F002}"/>
-                </a:ext>
-              </a:extLst>
-            </p:cNvPr>
-            <p:cNvPicPr>
-              <a:picLocks noChangeAspect="1" noChangeArrowheads="1"/>
-            </p:cNvPicPr>
-            <p:nvPr/>
-          </p:nvPicPr>
-          <p:blipFill>
-            <a:blip r:embed="rId4">
-              <a:extLst>
-                <a:ext uri="{28A0092B-C50C-407E-A947-70E740481C1C}">
-                  <a14:useLocalDpi xmlns:a14="http://schemas.microsoft.com/office/drawing/2010/main" val="0"/>
-                </a:ext>
-              </a:extLst>
-            </a:blip>
-            <a:srcRect/>
-            <a:stretch>
-              <a:fillRect/>
-            </a:stretch>
-          </p:blipFill>
-          <p:spPr bwMode="auto">
-            <a:xfrm>
-              <a:off x="11766409" y="6449818"/>
-              <a:ext cx="283175" cy="326740"/>
-            </a:xfrm>
-            <a:prstGeom prst="rect">
-              <a:avLst/>
-            </a:prstGeom>
-            <a:noFill/>
-            <a:extLst>
-              <a:ext uri="{909E8E84-426E-40DD-AFC4-6F175D3DCCD1}">
-                <a14:hiddenFill xmlns:a14="http://schemas.microsoft.com/office/drawing/2010/main">
-                  <a:solidFill>
-                    <a:srgbClr val="FFFFFF"/>
-                  </a:solidFill>
-                </a14:hiddenFill>
-              </a:ext>
-            </a:extLst>
-          </p:spPr>
-        </p:pic>
-      </p:grpSp>
       <p:sp>
         <p:nvSpPr>
           <p:cNvPr id="2" name="Title 1">
@@ -12911,7 +12424,7 @@
           <p:nvPr/>
         </p:nvPicPr>
         <p:blipFill>
-          <a:blip r:embed="rId5">
+          <a:blip r:embed="rId2">
             <a:extLst>
               <a:ext uri="{28A0092B-C50C-407E-A947-70E740481C1C}">
                 <a14:useLocalDpi xmlns:a14="http://schemas.microsoft.com/office/drawing/2010/main" val="0"/>
@@ -12931,6 +12444,157 @@
           </a:prstGeom>
         </p:spPr>
       </p:pic>
+      <p:grpSp>
+        <p:nvGrpSpPr>
+          <p:cNvPr id="3" name="Group 2">
+            <a:extLst>
+              <a:ext uri="{FF2B5EF4-FFF2-40B4-BE49-F238E27FC236}">
+                <a16:creationId xmlns:a16="http://schemas.microsoft.com/office/drawing/2014/main" id="{D3E529F3-D3F6-051C-6ECA-D996A77AA671}"/>
+              </a:ext>
+            </a:extLst>
+          </p:cNvPr>
+          <p:cNvGrpSpPr/>
+          <p:nvPr/>
+        </p:nvGrpSpPr>
+        <p:grpSpPr>
+          <a:xfrm>
+            <a:off x="9704900" y="6443508"/>
+            <a:ext cx="2344684" cy="333050"/>
+            <a:chOff x="9704900" y="6443508"/>
+            <a:chExt cx="2344684" cy="333050"/>
+          </a:xfrm>
+        </p:grpSpPr>
+        <p:pic>
+          <p:nvPicPr>
+            <p:cNvPr id="11" name="Picture 2" descr="UNIS - The university centre in Svalbard">
+              <a:extLst>
+                <a:ext uri="{FF2B5EF4-FFF2-40B4-BE49-F238E27FC236}">
+                  <a16:creationId xmlns:a16="http://schemas.microsoft.com/office/drawing/2014/main" id="{C7176038-B884-8E21-8DE7-11B06AA8FAC0}"/>
+                </a:ext>
+              </a:extLst>
+            </p:cNvPr>
+            <p:cNvPicPr>
+              <a:picLocks noChangeAspect="1" noChangeArrowheads="1"/>
+            </p:cNvPicPr>
+            <p:nvPr/>
+          </p:nvPicPr>
+          <p:blipFill>
+            <a:blip r:embed="rId3">
+              <a:extLst>
+                <a:ext uri="{28A0092B-C50C-407E-A947-70E740481C1C}">
+                  <a14:useLocalDpi xmlns:a14="http://schemas.microsoft.com/office/drawing/2010/main" val="0"/>
+                </a:ext>
+              </a:extLst>
+            </a:blip>
+            <a:srcRect/>
+            <a:stretch>
+              <a:fillRect/>
+            </a:stretch>
+          </p:blipFill>
+          <p:spPr bwMode="auto">
+            <a:xfrm>
+              <a:off x="10413848" y="6443508"/>
+              <a:ext cx="1210145" cy="326740"/>
+            </a:xfrm>
+            <a:prstGeom prst="rect">
+              <a:avLst/>
+            </a:prstGeom>
+            <a:noFill/>
+            <a:extLst>
+              <a:ext uri="{909E8E84-426E-40DD-AFC4-6F175D3DCCD1}">
+                <a14:hiddenFill xmlns:a14="http://schemas.microsoft.com/office/drawing/2010/main">
+                  <a:solidFill>
+                    <a:srgbClr val="FFFFFF"/>
+                  </a:solidFill>
+                </a14:hiddenFill>
+              </a:ext>
+            </a:extLst>
+          </p:spPr>
+        </p:pic>
+        <p:pic>
+          <p:nvPicPr>
+            <p:cNvPr id="14" name="Picture 2" descr="Site is undergoing maintenance">
+              <a:extLst>
+                <a:ext uri="{FF2B5EF4-FFF2-40B4-BE49-F238E27FC236}">
+                  <a16:creationId xmlns:a16="http://schemas.microsoft.com/office/drawing/2014/main" id="{47D302FD-6826-FC5B-BDDD-FC5D3BBCDCB8}"/>
+                </a:ext>
+              </a:extLst>
+            </p:cNvPr>
+            <p:cNvPicPr>
+              <a:picLocks noChangeAspect="1" noChangeArrowheads="1"/>
+            </p:cNvPicPr>
+            <p:nvPr/>
+          </p:nvPicPr>
+          <p:blipFill>
+            <a:blip r:embed="rId4">
+              <a:extLst>
+                <a:ext uri="{28A0092B-C50C-407E-A947-70E740481C1C}">
+                  <a14:useLocalDpi xmlns:a14="http://schemas.microsoft.com/office/drawing/2010/main" val="0"/>
+                </a:ext>
+              </a:extLst>
+            </a:blip>
+            <a:srcRect/>
+            <a:stretch>
+              <a:fillRect/>
+            </a:stretch>
+          </p:blipFill>
+          <p:spPr bwMode="auto">
+            <a:xfrm>
+              <a:off x="11766409" y="6449818"/>
+              <a:ext cx="283175" cy="326740"/>
+            </a:xfrm>
+            <a:prstGeom prst="rect">
+              <a:avLst/>
+            </a:prstGeom>
+            <a:noFill/>
+            <a:extLst>
+              <a:ext uri="{909E8E84-426E-40DD-AFC4-6F175D3DCCD1}">
+                <a14:hiddenFill xmlns:a14="http://schemas.microsoft.com/office/drawing/2010/main">
+                  <a:solidFill>
+                    <a:srgbClr val="FFFFFF"/>
+                  </a:solidFill>
+                </a14:hiddenFill>
+              </a:ext>
+            </a:extLst>
+          </p:spPr>
+        </p:pic>
+        <p:pic>
+          <p:nvPicPr>
+            <p:cNvPr id="15" name="Picture 14" descr="A black background with grey letters and a red triangle&#10;&#10;Description automatically generated">
+              <a:extLst>
+                <a:ext uri="{FF2B5EF4-FFF2-40B4-BE49-F238E27FC236}">
+                  <a16:creationId xmlns:a16="http://schemas.microsoft.com/office/drawing/2014/main" id="{168954F7-E7C9-52ED-2D31-0EFA55686751}"/>
+                </a:ext>
+              </a:extLst>
+            </p:cNvPr>
+            <p:cNvPicPr>
+              <a:picLocks noChangeAspect="1"/>
+            </p:cNvPicPr>
+            <p:nvPr/>
+          </p:nvPicPr>
+          <p:blipFill>
+            <a:blip r:embed="rId5">
+              <a:extLst>
+                <a:ext uri="{28A0092B-C50C-407E-A947-70E740481C1C}">
+                  <a14:useLocalDpi xmlns:a14="http://schemas.microsoft.com/office/drawing/2010/main" val="0"/>
+                </a:ext>
+              </a:extLst>
+            </a:blip>
+            <a:stretch>
+              <a:fillRect/>
+            </a:stretch>
+          </p:blipFill>
+          <p:spPr>
+            <a:xfrm>
+              <a:off x="9704900" y="6486750"/>
+              <a:ext cx="580285" cy="270414"/>
+            </a:xfrm>
+            <a:prstGeom prst="rect">
+              <a:avLst/>
+            </a:prstGeom>
+          </p:spPr>
+        </p:pic>
+      </p:grpSp>
     </p:spTree>
     <p:extLst>
       <p:ext uri="{BB962C8B-B14F-4D97-AF65-F5344CB8AC3E}">
@@ -13711,199 +13375,6 @@
           </a:p>
         </p:txBody>
       </p:sp>
-      <p:grpSp>
-        <p:nvGrpSpPr>
-          <p:cNvPr id="23" name="Group 22">
-            <a:extLst>
-              <a:ext uri="{FF2B5EF4-FFF2-40B4-BE49-F238E27FC236}">
-                <a16:creationId xmlns:a16="http://schemas.microsoft.com/office/drawing/2014/main" id="{5C8CC107-8B6F-2BA8-A951-E8276E1CAFC8}"/>
-              </a:ext>
-            </a:extLst>
-          </p:cNvPr>
-          <p:cNvGrpSpPr/>
-          <p:nvPr/>
-        </p:nvGrpSpPr>
-        <p:grpSpPr>
-          <a:xfrm>
-            <a:off x="42671" y="6443508"/>
-            <a:ext cx="12006913" cy="385818"/>
-            <a:chOff x="42671" y="6443508"/>
-            <a:chExt cx="12006913" cy="385818"/>
-          </a:xfrm>
-        </p:grpSpPr>
-        <p:sp>
-          <p:nvSpPr>
-            <p:cNvPr id="24" name="TextBox 23">
-              <a:extLst>
-                <a:ext uri="{FF2B5EF4-FFF2-40B4-BE49-F238E27FC236}">
-                  <a16:creationId xmlns:a16="http://schemas.microsoft.com/office/drawing/2014/main" id="{1B538703-361B-3F8B-537E-BBCFEBB6CACC}"/>
-                </a:ext>
-              </a:extLst>
-            </p:cNvPr>
-            <p:cNvSpPr txBox="1"/>
-            <p:nvPr/>
-          </p:nvSpPr>
-          <p:spPr>
-            <a:xfrm>
-              <a:off x="854075" y="6521549"/>
-              <a:ext cx="3805382" cy="307777"/>
-            </a:xfrm>
-            <a:prstGeom prst="rect">
-              <a:avLst/>
-            </a:prstGeom>
-            <a:noFill/>
-          </p:spPr>
-          <p:txBody>
-            <a:bodyPr wrap="square" rtlCol="0">
-              <a:spAutoFit/>
-            </a:bodyPr>
-            <a:lstStyle/>
-            <a:p>
-              <a:r>
-                <a:rPr lang="nb-NO" sz="1400" i="1" dirty="0">
-                  <a:latin typeface="Arial" panose="020B0604020202020204" pitchFamily="34" charset="0"/>
-                  <a:cs typeface="Arial" panose="020B0604020202020204" pitchFamily="34" charset="0"/>
-                </a:rPr>
-                <a:t>FAIR digital documentation &amp; teaching</a:t>
-              </a:r>
-              <a:endParaRPr lang="en-US" sz="1400" i="1" dirty="0">
-                <a:latin typeface="Arial" panose="020B0604020202020204" pitchFamily="34" charset="0"/>
-                <a:cs typeface="Arial" panose="020B0604020202020204" pitchFamily="34" charset="0"/>
-              </a:endParaRPr>
-            </a:p>
-          </p:txBody>
-        </p:sp>
-        <p:pic>
-          <p:nvPicPr>
-            <p:cNvPr id="25" name="Picture 24" descr="A screenshot of a video game&#10;&#10;Description automatically generated">
-              <a:extLst>
-                <a:ext uri="{FF2B5EF4-FFF2-40B4-BE49-F238E27FC236}">
-                  <a16:creationId xmlns:a16="http://schemas.microsoft.com/office/drawing/2014/main" id="{5F21D3D7-314B-1C6E-B50E-93CFE61D5082}"/>
-                </a:ext>
-              </a:extLst>
-            </p:cNvPr>
-            <p:cNvPicPr>
-              <a:picLocks noChangeAspect="1"/>
-            </p:cNvPicPr>
-            <p:nvPr/>
-          </p:nvPicPr>
-          <p:blipFill>
-            <a:blip r:embed="rId2">
-              <a:extLst>
-                <a:ext uri="{28A0092B-C50C-407E-A947-70E740481C1C}">
-                  <a14:useLocalDpi xmlns:a14="http://schemas.microsoft.com/office/drawing/2010/main" val="0"/>
-                </a:ext>
-              </a:extLst>
-            </a:blip>
-            <a:stretch>
-              <a:fillRect/>
-            </a:stretch>
-          </p:blipFill>
-          <p:spPr>
-            <a:xfrm>
-              <a:off x="42671" y="6563571"/>
-              <a:ext cx="876716" cy="230005"/>
-            </a:xfrm>
-            <a:prstGeom prst="rect">
-              <a:avLst/>
-            </a:prstGeom>
-          </p:spPr>
-        </p:pic>
-        <p:pic>
-          <p:nvPicPr>
-            <p:cNvPr id="26" name="Picture 2" descr="UNIS - The university centre in Svalbard">
-              <a:extLst>
-                <a:ext uri="{FF2B5EF4-FFF2-40B4-BE49-F238E27FC236}">
-                  <a16:creationId xmlns:a16="http://schemas.microsoft.com/office/drawing/2014/main" id="{3FBB4A11-E9C3-D45E-8EDE-6CF34C32E59B}"/>
-                </a:ext>
-              </a:extLst>
-            </p:cNvPr>
-            <p:cNvPicPr>
-              <a:picLocks noChangeAspect="1" noChangeArrowheads="1"/>
-            </p:cNvPicPr>
-            <p:nvPr/>
-          </p:nvPicPr>
-          <p:blipFill>
-            <a:blip r:embed="rId3">
-              <a:extLst>
-                <a:ext uri="{28A0092B-C50C-407E-A947-70E740481C1C}">
-                  <a14:useLocalDpi xmlns:a14="http://schemas.microsoft.com/office/drawing/2010/main" val="0"/>
-                </a:ext>
-              </a:extLst>
-            </a:blip>
-            <a:srcRect/>
-            <a:stretch>
-              <a:fillRect/>
-            </a:stretch>
-          </p:blipFill>
-          <p:spPr bwMode="auto">
-            <a:xfrm>
-              <a:off x="10413848" y="6443508"/>
-              <a:ext cx="1210145" cy="326740"/>
-            </a:xfrm>
-            <a:prstGeom prst="rect">
-              <a:avLst/>
-            </a:prstGeom>
-            <a:noFill/>
-            <a:extLst>
-              <a:ext uri="{909E8E84-426E-40DD-AFC4-6F175D3DCCD1}">
-                <a14:hiddenFill xmlns:a14="http://schemas.microsoft.com/office/drawing/2010/main">
-                  <a:solidFill>
-                    <a:srgbClr val="FFFFFF"/>
-                  </a:solidFill>
-                </a14:hiddenFill>
-              </a:ext>
-            </a:extLst>
-          </p:spPr>
-        </p:pic>
-        <p:pic>
-          <p:nvPicPr>
-            <p:cNvPr id="27" name="Picture 2" descr="Site is undergoing maintenance">
-              <a:extLst>
-                <a:ext uri="{FF2B5EF4-FFF2-40B4-BE49-F238E27FC236}">
-                  <a16:creationId xmlns:a16="http://schemas.microsoft.com/office/drawing/2014/main" id="{A9B52DA7-A2A2-0059-A038-02CDC274F002}"/>
-                </a:ext>
-              </a:extLst>
-            </p:cNvPr>
-            <p:cNvPicPr>
-              <a:picLocks noChangeAspect="1" noChangeArrowheads="1"/>
-            </p:cNvPicPr>
-            <p:nvPr/>
-          </p:nvPicPr>
-          <p:blipFill>
-            <a:blip r:embed="rId4">
-              <a:extLst>
-                <a:ext uri="{28A0092B-C50C-407E-A947-70E740481C1C}">
-                  <a14:useLocalDpi xmlns:a14="http://schemas.microsoft.com/office/drawing/2010/main" val="0"/>
-                </a:ext>
-              </a:extLst>
-            </a:blip>
-            <a:srcRect/>
-            <a:stretch>
-              <a:fillRect/>
-            </a:stretch>
-          </p:blipFill>
-          <p:spPr bwMode="auto">
-            <a:xfrm>
-              <a:off x="11766409" y="6449818"/>
-              <a:ext cx="283175" cy="326740"/>
-            </a:xfrm>
-            <a:prstGeom prst="rect">
-              <a:avLst/>
-            </a:prstGeom>
-            <a:noFill/>
-            <a:extLst>
-              <a:ext uri="{909E8E84-426E-40DD-AFC4-6F175D3DCCD1}">
-                <a14:hiddenFill xmlns:a14="http://schemas.microsoft.com/office/drawing/2010/main">
-                  <a:solidFill>
-                    <a:srgbClr val="FFFFFF"/>
-                  </a:solidFill>
-                </a14:hiddenFill>
-              </a:ext>
-            </a:extLst>
-          </p:spPr>
-        </p:pic>
-      </p:grpSp>
       <p:sp>
         <p:nvSpPr>
           <p:cNvPr id="2" name="Title 1">
@@ -14038,7 +13509,7 @@
           <p:nvPr/>
         </p:nvPicPr>
         <p:blipFill>
-          <a:blip r:embed="rId5">
+          <a:blip r:embed="rId2">
             <a:extLst>
               <a:ext uri="{28A0092B-C50C-407E-A947-70E740481C1C}">
                 <a14:useLocalDpi xmlns:a14="http://schemas.microsoft.com/office/drawing/2010/main" val="0"/>
@@ -14111,6 +13582,157 @@
           </a:p>
         </p:txBody>
       </p:sp>
+      <p:grpSp>
+        <p:nvGrpSpPr>
+          <p:cNvPr id="11" name="Group 10">
+            <a:extLst>
+              <a:ext uri="{FF2B5EF4-FFF2-40B4-BE49-F238E27FC236}">
+                <a16:creationId xmlns:a16="http://schemas.microsoft.com/office/drawing/2014/main" id="{9C7316A4-21AB-B7E1-6300-049C997321D4}"/>
+              </a:ext>
+            </a:extLst>
+          </p:cNvPr>
+          <p:cNvGrpSpPr/>
+          <p:nvPr/>
+        </p:nvGrpSpPr>
+        <p:grpSpPr>
+          <a:xfrm>
+            <a:off x="9704900" y="6443508"/>
+            <a:ext cx="2344684" cy="333050"/>
+            <a:chOff x="9704900" y="6443508"/>
+            <a:chExt cx="2344684" cy="333050"/>
+          </a:xfrm>
+        </p:grpSpPr>
+        <p:pic>
+          <p:nvPicPr>
+            <p:cNvPr id="14" name="Picture 2" descr="UNIS - The university centre in Svalbard">
+              <a:extLst>
+                <a:ext uri="{FF2B5EF4-FFF2-40B4-BE49-F238E27FC236}">
+                  <a16:creationId xmlns:a16="http://schemas.microsoft.com/office/drawing/2014/main" id="{DDA57391-5A41-77FB-EB38-4D3176C85963}"/>
+                </a:ext>
+              </a:extLst>
+            </p:cNvPr>
+            <p:cNvPicPr>
+              <a:picLocks noChangeAspect="1" noChangeArrowheads="1"/>
+            </p:cNvPicPr>
+            <p:nvPr/>
+          </p:nvPicPr>
+          <p:blipFill>
+            <a:blip r:embed="rId3">
+              <a:extLst>
+                <a:ext uri="{28A0092B-C50C-407E-A947-70E740481C1C}">
+                  <a14:useLocalDpi xmlns:a14="http://schemas.microsoft.com/office/drawing/2010/main" val="0"/>
+                </a:ext>
+              </a:extLst>
+            </a:blip>
+            <a:srcRect/>
+            <a:stretch>
+              <a:fillRect/>
+            </a:stretch>
+          </p:blipFill>
+          <p:spPr bwMode="auto">
+            <a:xfrm>
+              <a:off x="10413848" y="6443508"/>
+              <a:ext cx="1210145" cy="326740"/>
+            </a:xfrm>
+            <a:prstGeom prst="rect">
+              <a:avLst/>
+            </a:prstGeom>
+            <a:noFill/>
+            <a:extLst>
+              <a:ext uri="{909E8E84-426E-40DD-AFC4-6F175D3DCCD1}">
+                <a14:hiddenFill xmlns:a14="http://schemas.microsoft.com/office/drawing/2010/main">
+                  <a:solidFill>
+                    <a:srgbClr val="FFFFFF"/>
+                  </a:solidFill>
+                </a14:hiddenFill>
+              </a:ext>
+            </a:extLst>
+          </p:spPr>
+        </p:pic>
+        <p:pic>
+          <p:nvPicPr>
+            <p:cNvPr id="15" name="Picture 2" descr="Site is undergoing maintenance">
+              <a:extLst>
+                <a:ext uri="{FF2B5EF4-FFF2-40B4-BE49-F238E27FC236}">
+                  <a16:creationId xmlns:a16="http://schemas.microsoft.com/office/drawing/2014/main" id="{C06E1C77-CEA2-F3DE-6437-0D1215908124}"/>
+                </a:ext>
+              </a:extLst>
+            </p:cNvPr>
+            <p:cNvPicPr>
+              <a:picLocks noChangeAspect="1" noChangeArrowheads="1"/>
+            </p:cNvPicPr>
+            <p:nvPr/>
+          </p:nvPicPr>
+          <p:blipFill>
+            <a:blip r:embed="rId4">
+              <a:extLst>
+                <a:ext uri="{28A0092B-C50C-407E-A947-70E740481C1C}">
+                  <a14:useLocalDpi xmlns:a14="http://schemas.microsoft.com/office/drawing/2010/main" val="0"/>
+                </a:ext>
+              </a:extLst>
+            </a:blip>
+            <a:srcRect/>
+            <a:stretch>
+              <a:fillRect/>
+            </a:stretch>
+          </p:blipFill>
+          <p:spPr bwMode="auto">
+            <a:xfrm>
+              <a:off x="11766409" y="6449818"/>
+              <a:ext cx="283175" cy="326740"/>
+            </a:xfrm>
+            <a:prstGeom prst="rect">
+              <a:avLst/>
+            </a:prstGeom>
+            <a:noFill/>
+            <a:extLst>
+              <a:ext uri="{909E8E84-426E-40DD-AFC4-6F175D3DCCD1}">
+                <a14:hiddenFill xmlns:a14="http://schemas.microsoft.com/office/drawing/2010/main">
+                  <a:solidFill>
+                    <a:srgbClr val="FFFFFF"/>
+                  </a:solidFill>
+                </a14:hiddenFill>
+              </a:ext>
+            </a:extLst>
+          </p:spPr>
+        </p:pic>
+        <p:pic>
+          <p:nvPicPr>
+            <p:cNvPr id="16" name="Picture 15" descr="A black background with grey letters and a red triangle&#10;&#10;Description automatically generated">
+              <a:extLst>
+                <a:ext uri="{FF2B5EF4-FFF2-40B4-BE49-F238E27FC236}">
+                  <a16:creationId xmlns:a16="http://schemas.microsoft.com/office/drawing/2014/main" id="{7570610F-1156-A742-22B3-AECB1C28913A}"/>
+                </a:ext>
+              </a:extLst>
+            </p:cNvPr>
+            <p:cNvPicPr>
+              <a:picLocks noChangeAspect="1"/>
+            </p:cNvPicPr>
+            <p:nvPr/>
+          </p:nvPicPr>
+          <p:blipFill>
+            <a:blip r:embed="rId5">
+              <a:extLst>
+                <a:ext uri="{28A0092B-C50C-407E-A947-70E740481C1C}">
+                  <a14:useLocalDpi xmlns:a14="http://schemas.microsoft.com/office/drawing/2010/main" val="0"/>
+                </a:ext>
+              </a:extLst>
+            </a:blip>
+            <a:stretch>
+              <a:fillRect/>
+            </a:stretch>
+          </p:blipFill>
+          <p:spPr>
+            <a:xfrm>
+              <a:off x="9704900" y="6486750"/>
+              <a:ext cx="580285" cy="270414"/>
+            </a:xfrm>
+            <a:prstGeom prst="rect">
+              <a:avLst/>
+            </a:prstGeom>
+          </p:spPr>
+        </p:pic>
+      </p:grpSp>
     </p:spTree>
     <p:extLst>
       <p:ext uri="{BB962C8B-B14F-4D97-AF65-F5344CB8AC3E}">
@@ -14891,12 +14513,131 @@
           </a:p>
         </p:txBody>
       </p:sp>
+      <p:sp>
+        <p:nvSpPr>
+          <p:cNvPr id="2" name="Title 1">
+            <a:extLst>
+              <a:ext uri="{FF2B5EF4-FFF2-40B4-BE49-F238E27FC236}">
+                <a16:creationId xmlns:a16="http://schemas.microsoft.com/office/drawing/2014/main" id="{044D5C86-6C13-B385-18EB-CE82554A07BC}"/>
+              </a:ext>
+            </a:extLst>
+          </p:cNvPr>
+          <p:cNvSpPr>
+            <a:spLocks noGrp="1"/>
+          </p:cNvSpPr>
+          <p:nvPr>
+            <p:ph type="title"/>
+          </p:nvPr>
+        </p:nvSpPr>
+        <p:spPr>
+          <a:xfrm>
+            <a:off x="1676400" y="-7563"/>
+            <a:ext cx="10515600" cy="1325563"/>
+          </a:xfrm>
+        </p:spPr>
+        <p:txBody>
+          <a:bodyPr>
+            <a:normAutofit/>
+          </a:bodyPr>
+          <a:lstStyle/>
+          <a:p>
+            <a:r>
+              <a:rPr lang="nb-NO" sz="3600" dirty="0"/>
+              <a:t>Benefits?</a:t>
+            </a:r>
+            <a:endParaRPr lang="en-US" sz="3600" dirty="0"/>
+          </a:p>
+        </p:txBody>
+      </p:sp>
+      <p:sp>
+        <p:nvSpPr>
+          <p:cNvPr id="16" name="Content Placeholder 15">
+            <a:extLst>
+              <a:ext uri="{FF2B5EF4-FFF2-40B4-BE49-F238E27FC236}">
+                <a16:creationId xmlns:a16="http://schemas.microsoft.com/office/drawing/2014/main" id="{F0EBAB87-7F21-FF9A-9865-FBBE8D2E14EC}"/>
+              </a:ext>
+            </a:extLst>
+          </p:cNvPr>
+          <p:cNvSpPr>
+            <a:spLocks noGrp="1"/>
+          </p:cNvSpPr>
+          <p:nvPr>
+            <p:ph idx="1"/>
+          </p:nvPr>
+        </p:nvSpPr>
+        <p:spPr>
+          <a:xfrm>
+            <a:off x="838200" y="1825625"/>
+            <a:ext cx="10515600" cy="4351338"/>
+          </a:xfrm>
+        </p:spPr>
+        <p:txBody>
+          <a:bodyPr/>
+          <a:lstStyle/>
+          <a:p>
+            <a:r>
+              <a:rPr lang="en-US" dirty="0"/>
+              <a:t>Remote sensing technique</a:t>
+            </a:r>
+          </a:p>
+          <a:p>
+            <a:r>
+              <a:rPr lang="en-US" dirty="0"/>
+              <a:t>Relatively easy to acquire a lot of (digital) data</a:t>
+            </a:r>
+            <a:br>
+              <a:rPr lang="en-US" dirty="0"/>
+            </a:br>
+            <a:r>
+              <a:rPr lang="en-US" dirty="0"/>
+              <a:t>(even over larger areas)</a:t>
+            </a:r>
+          </a:p>
+          <a:p>
+            <a:r>
+              <a:rPr lang="en-US" dirty="0"/>
+              <a:t>Flexible (resolution, scale, time: dynamic scenes)</a:t>
+            </a:r>
+          </a:p>
+          <a:p>
+            <a:r>
+              <a:rPr lang="en-US" dirty="0"/>
+              <a:t>Human &amp; automatic data processing/interpretations</a:t>
+            </a:r>
+          </a:p>
+          <a:p>
+            <a:r>
+              <a:rPr lang="en-US" dirty="0"/>
+              <a:t>Cheap</a:t>
+            </a:r>
+          </a:p>
+          <a:p>
+            <a:endParaRPr lang="en-US" dirty="0"/>
+          </a:p>
+          <a:p>
+            <a:r>
+              <a:rPr lang="en-US" dirty="0"/>
+              <a:t>Where is it important for?</a:t>
+            </a:r>
+          </a:p>
+          <a:p>
+            <a:pPr lvl="1"/>
+            <a:r>
+              <a:rPr lang="en-US" dirty="0"/>
+              <a:t>Inaccessible areas? Sensitive material?</a:t>
+            </a:r>
+          </a:p>
+          <a:p>
+            <a:endParaRPr lang="en-US" dirty="0"/>
+          </a:p>
+        </p:txBody>
+      </p:sp>
       <p:grpSp>
         <p:nvGrpSpPr>
-          <p:cNvPr id="23" name="Group 22">
-            <a:extLst>
-              <a:ext uri="{FF2B5EF4-FFF2-40B4-BE49-F238E27FC236}">
-                <a16:creationId xmlns:a16="http://schemas.microsoft.com/office/drawing/2014/main" id="{5C8CC107-8B6F-2BA8-A951-E8276E1CAFC8}"/>
+          <p:cNvPr id="3" name="Group 2">
+            <a:extLst>
+              <a:ext uri="{FF2B5EF4-FFF2-40B4-BE49-F238E27FC236}">
+                <a16:creationId xmlns:a16="http://schemas.microsoft.com/office/drawing/2014/main" id="{716B12F0-CFD6-12D0-0653-2C3463D35606}"/>
               </a:ext>
             </a:extLst>
           </p:cNvPr>
@@ -14905,65 +14646,23 @@
         </p:nvGrpSpPr>
         <p:grpSpPr>
           <a:xfrm>
-            <a:off x="42671" y="6443508"/>
-            <a:ext cx="12006913" cy="385818"/>
-            <a:chOff x="42671" y="6443508"/>
-            <a:chExt cx="12006913" cy="385818"/>
+            <a:off x="9704900" y="6443508"/>
+            <a:ext cx="2344684" cy="333050"/>
+            <a:chOff x="9704900" y="6443508"/>
+            <a:chExt cx="2344684" cy="333050"/>
           </a:xfrm>
         </p:grpSpPr>
-        <p:sp>
-          <p:nvSpPr>
-            <p:cNvPr id="24" name="TextBox 23">
+        <p:pic>
+          <p:nvPicPr>
+            <p:cNvPr id="11" name="Picture 2" descr="UNIS - The university centre in Svalbard">
               <a:extLst>
                 <a:ext uri="{FF2B5EF4-FFF2-40B4-BE49-F238E27FC236}">
-                  <a16:creationId xmlns:a16="http://schemas.microsoft.com/office/drawing/2014/main" id="{1B538703-361B-3F8B-537E-BBCFEBB6CACC}"/>
-                </a:ext>
-              </a:extLst>
-            </p:cNvPr>
-            <p:cNvSpPr txBox="1"/>
-            <p:nvPr/>
-          </p:nvSpPr>
-          <p:spPr>
-            <a:xfrm>
-              <a:off x="854075" y="6521549"/>
-              <a:ext cx="3805382" cy="307777"/>
-            </a:xfrm>
-            <a:prstGeom prst="rect">
-              <a:avLst/>
-            </a:prstGeom>
-            <a:noFill/>
-          </p:spPr>
-          <p:txBody>
-            <a:bodyPr wrap="square" rtlCol="0">
-              <a:spAutoFit/>
-            </a:bodyPr>
-            <a:lstStyle/>
-            <a:p>
-              <a:r>
-                <a:rPr lang="nb-NO" sz="1400" i="1" dirty="0">
-                  <a:latin typeface="Arial" panose="020B0604020202020204" pitchFamily="34" charset="0"/>
-                  <a:cs typeface="Arial" panose="020B0604020202020204" pitchFamily="34" charset="0"/>
-                </a:rPr>
-                <a:t>FAIR digital documentation &amp; teaching</a:t>
-              </a:r>
-              <a:endParaRPr lang="en-US" sz="1400" i="1" dirty="0">
-                <a:latin typeface="Arial" panose="020B0604020202020204" pitchFamily="34" charset="0"/>
-                <a:cs typeface="Arial" panose="020B0604020202020204" pitchFamily="34" charset="0"/>
-              </a:endParaRPr>
-            </a:p>
-          </p:txBody>
-        </p:sp>
-        <p:pic>
-          <p:nvPicPr>
-            <p:cNvPr id="25" name="Picture 24" descr="A screenshot of a video game&#10;&#10;Description automatically generated">
-              <a:extLst>
-                <a:ext uri="{FF2B5EF4-FFF2-40B4-BE49-F238E27FC236}">
-                  <a16:creationId xmlns:a16="http://schemas.microsoft.com/office/drawing/2014/main" id="{5F21D3D7-314B-1C6E-B50E-93CFE61D5082}"/>
+                  <a16:creationId xmlns:a16="http://schemas.microsoft.com/office/drawing/2014/main" id="{4C8723B5-1CDC-922D-2113-761D73AA0D56}"/>
                 </a:ext>
               </a:extLst>
             </p:cNvPr>
             <p:cNvPicPr>
-              <a:picLocks noChangeAspect="1"/>
+              <a:picLocks noChangeAspect="1" noChangeArrowheads="1"/>
             </p:cNvPicPr>
             <p:nvPr/>
           </p:nvPicPr>
@@ -14975,26 +14674,37 @@
                 </a:ext>
               </a:extLst>
             </a:blip>
+            <a:srcRect/>
             <a:stretch>
               <a:fillRect/>
             </a:stretch>
           </p:blipFill>
-          <p:spPr>
+          <p:spPr bwMode="auto">
             <a:xfrm>
-              <a:off x="42671" y="6563571"/>
-              <a:ext cx="876716" cy="230005"/>
+              <a:off x="10413848" y="6443508"/>
+              <a:ext cx="1210145" cy="326740"/>
             </a:xfrm>
             <a:prstGeom prst="rect">
               <a:avLst/>
             </a:prstGeom>
+            <a:noFill/>
+            <a:extLst>
+              <a:ext uri="{909E8E84-426E-40DD-AFC4-6F175D3DCCD1}">
+                <a14:hiddenFill xmlns:a14="http://schemas.microsoft.com/office/drawing/2010/main">
+                  <a:solidFill>
+                    <a:srgbClr val="FFFFFF"/>
+                  </a:solidFill>
+                </a14:hiddenFill>
+              </a:ext>
+            </a:extLst>
           </p:spPr>
         </p:pic>
         <p:pic>
           <p:nvPicPr>
-            <p:cNvPr id="26" name="Picture 2" descr="UNIS - The university centre in Svalbard">
+            <p:cNvPr id="12" name="Picture 2" descr="Site is undergoing maintenance">
               <a:extLst>
                 <a:ext uri="{FF2B5EF4-FFF2-40B4-BE49-F238E27FC236}">
-                  <a16:creationId xmlns:a16="http://schemas.microsoft.com/office/drawing/2014/main" id="{3FBB4A11-E9C3-D45E-8EDE-6CF34C32E59B}"/>
+                  <a16:creationId xmlns:a16="http://schemas.microsoft.com/office/drawing/2014/main" id="{E44819B5-4CF4-B752-DA89-DA4AE74090B0}"/>
                 </a:ext>
               </a:extLst>
             </p:cNvPr>
@@ -15018,8 +14728,8 @@
           </p:blipFill>
           <p:spPr bwMode="auto">
             <a:xfrm>
-              <a:off x="10413848" y="6443508"/>
-              <a:ext cx="1210145" cy="326740"/>
+              <a:off x="11766409" y="6449818"/>
+              <a:ext cx="283175" cy="326740"/>
             </a:xfrm>
             <a:prstGeom prst="rect">
               <a:avLst/>
@@ -15038,15 +14748,15 @@
         </p:pic>
         <p:pic>
           <p:nvPicPr>
-            <p:cNvPr id="27" name="Picture 2" descr="Site is undergoing maintenance">
+            <p:cNvPr id="14" name="Picture 13" descr="A black background with grey letters and a red triangle&#10;&#10;Description automatically generated">
               <a:extLst>
                 <a:ext uri="{FF2B5EF4-FFF2-40B4-BE49-F238E27FC236}">
-                  <a16:creationId xmlns:a16="http://schemas.microsoft.com/office/drawing/2014/main" id="{A9B52DA7-A2A2-0059-A038-02CDC274F002}"/>
+                  <a16:creationId xmlns:a16="http://schemas.microsoft.com/office/drawing/2014/main" id="{83EAC75C-74E1-AFEA-EC20-4493348177D4}"/>
                 </a:ext>
               </a:extLst>
             </p:cNvPr>
             <p:cNvPicPr>
-              <a:picLocks noChangeAspect="1" noChangeArrowheads="1"/>
+              <a:picLocks noChangeAspect="1"/>
             </p:cNvPicPr>
             <p:nvPr/>
           </p:nvPicPr>
@@ -15058,151 +14768,21 @@
                 </a:ext>
               </a:extLst>
             </a:blip>
-            <a:srcRect/>
             <a:stretch>
               <a:fillRect/>
             </a:stretch>
           </p:blipFill>
-          <p:spPr bwMode="auto">
+          <p:spPr>
             <a:xfrm>
-              <a:off x="11766409" y="6449818"/>
-              <a:ext cx="283175" cy="326740"/>
+              <a:off x="9704900" y="6486750"/>
+              <a:ext cx="580285" cy="270414"/>
             </a:xfrm>
             <a:prstGeom prst="rect">
               <a:avLst/>
             </a:prstGeom>
-            <a:noFill/>
-            <a:extLst>
-              <a:ext uri="{909E8E84-426E-40DD-AFC4-6F175D3DCCD1}">
-                <a14:hiddenFill xmlns:a14="http://schemas.microsoft.com/office/drawing/2010/main">
-                  <a:solidFill>
-                    <a:srgbClr val="FFFFFF"/>
-                  </a:solidFill>
-                </a14:hiddenFill>
-              </a:ext>
-            </a:extLst>
           </p:spPr>
         </p:pic>
       </p:grpSp>
-      <p:sp>
-        <p:nvSpPr>
-          <p:cNvPr id="2" name="Title 1">
-            <a:extLst>
-              <a:ext uri="{FF2B5EF4-FFF2-40B4-BE49-F238E27FC236}">
-                <a16:creationId xmlns:a16="http://schemas.microsoft.com/office/drawing/2014/main" id="{044D5C86-6C13-B385-18EB-CE82554A07BC}"/>
-              </a:ext>
-            </a:extLst>
-          </p:cNvPr>
-          <p:cNvSpPr>
-            <a:spLocks noGrp="1"/>
-          </p:cNvSpPr>
-          <p:nvPr>
-            <p:ph type="title"/>
-          </p:nvPr>
-        </p:nvSpPr>
-        <p:spPr>
-          <a:xfrm>
-            <a:off x="1676400" y="-7563"/>
-            <a:ext cx="10515600" cy="1325563"/>
-          </a:xfrm>
-        </p:spPr>
-        <p:txBody>
-          <a:bodyPr>
-            <a:normAutofit/>
-          </a:bodyPr>
-          <a:lstStyle/>
-          <a:p>
-            <a:r>
-              <a:rPr lang="nb-NO" sz="3600" dirty="0"/>
-              <a:t>Benefits?</a:t>
-            </a:r>
-            <a:endParaRPr lang="en-US" sz="3600" dirty="0"/>
-          </a:p>
-        </p:txBody>
-      </p:sp>
-      <p:sp>
-        <p:nvSpPr>
-          <p:cNvPr id="16" name="Content Placeholder 15">
-            <a:extLst>
-              <a:ext uri="{FF2B5EF4-FFF2-40B4-BE49-F238E27FC236}">
-                <a16:creationId xmlns:a16="http://schemas.microsoft.com/office/drawing/2014/main" id="{F0EBAB87-7F21-FF9A-9865-FBBE8D2E14EC}"/>
-              </a:ext>
-            </a:extLst>
-          </p:cNvPr>
-          <p:cNvSpPr>
-            <a:spLocks noGrp="1"/>
-          </p:cNvSpPr>
-          <p:nvPr>
-            <p:ph idx="1"/>
-          </p:nvPr>
-        </p:nvSpPr>
-        <p:spPr>
-          <a:xfrm>
-            <a:off x="838200" y="1825625"/>
-            <a:ext cx="10515600" cy="4351338"/>
-          </a:xfrm>
-        </p:spPr>
-        <p:txBody>
-          <a:bodyPr/>
-          <a:lstStyle/>
-          <a:p>
-            <a:r>
-              <a:rPr lang="en-US" dirty="0"/>
-              <a:t>Remote sensing technique</a:t>
-            </a:r>
-          </a:p>
-          <a:p>
-            <a:r>
-              <a:rPr lang="en-US" dirty="0"/>
-              <a:t>Relatively easy to acquire a lot of (digital) data</a:t>
-            </a:r>
-            <a:br>
-              <a:rPr lang="en-US" dirty="0"/>
-            </a:br>
-            <a:r>
-              <a:rPr lang="en-US" dirty="0"/>
-              <a:t>(even over larger areas)</a:t>
-            </a:r>
-          </a:p>
-          <a:p>
-            <a:r>
-              <a:rPr lang="en-US" dirty="0"/>
-              <a:t>Flexible (resolution, scale, time: dynamic scenes)</a:t>
-            </a:r>
-          </a:p>
-          <a:p>
-            <a:r>
-              <a:rPr lang="en-US" dirty="0"/>
-              <a:t>Human &amp; automatic data processing/interpretations</a:t>
-            </a:r>
-          </a:p>
-          <a:p>
-            <a:r>
-              <a:rPr lang="en-US" dirty="0"/>
-              <a:t>Cheap</a:t>
-            </a:r>
-          </a:p>
-          <a:p>
-            <a:endParaRPr lang="en-US" dirty="0"/>
-          </a:p>
-          <a:p>
-            <a:r>
-              <a:rPr lang="en-US" dirty="0"/>
-              <a:t>Where is it important for?</a:t>
-            </a:r>
-          </a:p>
-          <a:p>
-            <a:pPr lvl="1"/>
-            <a:r>
-              <a:rPr lang="en-US" dirty="0"/>
-              <a:t>Inaccessible areas? Sensitive material?</a:t>
-            </a:r>
-          </a:p>
-          <a:p>
-            <a:endParaRPr lang="en-US" dirty="0"/>
-          </a:p>
-        </p:txBody>
-      </p:sp>
     </p:spTree>
     <p:extLst>
       <p:ext uri="{BB962C8B-B14F-4D97-AF65-F5344CB8AC3E}">
@@ -15983,12 +15563,116 @@
           </a:p>
         </p:txBody>
       </p:sp>
+      <p:sp>
+        <p:nvSpPr>
+          <p:cNvPr id="2" name="Title 1">
+            <a:extLst>
+              <a:ext uri="{FF2B5EF4-FFF2-40B4-BE49-F238E27FC236}">
+                <a16:creationId xmlns:a16="http://schemas.microsoft.com/office/drawing/2014/main" id="{044D5C86-6C13-B385-18EB-CE82554A07BC}"/>
+              </a:ext>
+            </a:extLst>
+          </p:cNvPr>
+          <p:cNvSpPr>
+            <a:spLocks noGrp="1"/>
+          </p:cNvSpPr>
+          <p:nvPr>
+            <p:ph type="title"/>
+          </p:nvPr>
+        </p:nvSpPr>
+        <p:spPr>
+          <a:xfrm>
+            <a:off x="1676400" y="-7563"/>
+            <a:ext cx="10515600" cy="1325563"/>
+          </a:xfrm>
+        </p:spPr>
+        <p:txBody>
+          <a:bodyPr>
+            <a:normAutofit/>
+          </a:bodyPr>
+          <a:lstStyle/>
+          <a:p>
+            <a:r>
+              <a:rPr lang="nb-NO" sz="3600" dirty="0"/>
+              <a:t>Disadvantages?</a:t>
+            </a:r>
+            <a:endParaRPr lang="en-US" sz="3600" dirty="0"/>
+          </a:p>
+        </p:txBody>
+      </p:sp>
+      <p:sp>
+        <p:nvSpPr>
+          <p:cNvPr id="16" name="Content Placeholder 15">
+            <a:extLst>
+              <a:ext uri="{FF2B5EF4-FFF2-40B4-BE49-F238E27FC236}">
+                <a16:creationId xmlns:a16="http://schemas.microsoft.com/office/drawing/2014/main" id="{F0EBAB87-7F21-FF9A-9865-FBBE8D2E14EC}"/>
+              </a:ext>
+            </a:extLst>
+          </p:cNvPr>
+          <p:cNvSpPr>
+            <a:spLocks noGrp="1"/>
+          </p:cNvSpPr>
+          <p:nvPr>
+            <p:ph idx="1"/>
+          </p:nvPr>
+        </p:nvSpPr>
+        <p:spPr>
+          <a:xfrm>
+            <a:off x="838200" y="1825625"/>
+            <a:ext cx="10515600" cy="4351338"/>
+          </a:xfrm>
+        </p:spPr>
+        <p:txBody>
+          <a:bodyPr/>
+          <a:lstStyle/>
+          <a:p>
+            <a:r>
+              <a:rPr lang="en-US" dirty="0"/>
+              <a:t>Need for light</a:t>
+            </a:r>
+          </a:p>
+          <a:p>
+            <a:r>
+              <a:rPr lang="en-US" dirty="0"/>
+              <a:t>Occlusions and visibility constraints</a:t>
+            </a:r>
+          </a:p>
+          <a:p>
+            <a:pPr lvl="1"/>
+            <a:r>
+              <a:rPr lang="en-US" dirty="0"/>
+              <a:t>E.g. Can we get the object imaged from every angle?</a:t>
+            </a:r>
+          </a:p>
+          <a:p>
+            <a:r>
+              <a:rPr lang="en-US" dirty="0"/>
+              <a:t>3D world to 2D image projection</a:t>
+            </a:r>
+          </a:p>
+          <a:p>
+            <a:pPr lvl="1"/>
+            <a:r>
+              <a:rPr lang="en-US" dirty="0"/>
+              <a:t>Distortions? Artefacts? </a:t>
+            </a:r>
+          </a:p>
+          <a:p>
+            <a:r>
+              <a:rPr lang="en-US" dirty="0"/>
+              <a:t>Lesser accuracy/details than other techniques</a:t>
+            </a:r>
+          </a:p>
+          <a:p>
+            <a:endParaRPr lang="en-US" dirty="0"/>
+          </a:p>
+        </p:txBody>
+      </p:sp>
       <p:grpSp>
         <p:nvGrpSpPr>
-          <p:cNvPr id="23" name="Group 22">
-            <a:extLst>
-              <a:ext uri="{FF2B5EF4-FFF2-40B4-BE49-F238E27FC236}">
-                <a16:creationId xmlns:a16="http://schemas.microsoft.com/office/drawing/2014/main" id="{5C8CC107-8B6F-2BA8-A951-E8276E1CAFC8}"/>
+          <p:cNvPr id="3" name="Group 2">
+            <a:extLst>
+              <a:ext uri="{FF2B5EF4-FFF2-40B4-BE49-F238E27FC236}">
+                <a16:creationId xmlns:a16="http://schemas.microsoft.com/office/drawing/2014/main" id="{18FEDB17-ADFB-F604-7CAF-C15953842062}"/>
               </a:ext>
             </a:extLst>
           </p:cNvPr>
@@ -15997,65 +15681,23 @@
         </p:nvGrpSpPr>
         <p:grpSpPr>
           <a:xfrm>
-            <a:off x="42671" y="6443508"/>
-            <a:ext cx="12006913" cy="385818"/>
-            <a:chOff x="42671" y="6443508"/>
-            <a:chExt cx="12006913" cy="385818"/>
+            <a:off x="9704900" y="6443508"/>
+            <a:ext cx="2344684" cy="333050"/>
+            <a:chOff x="9704900" y="6443508"/>
+            <a:chExt cx="2344684" cy="333050"/>
           </a:xfrm>
         </p:grpSpPr>
-        <p:sp>
-          <p:nvSpPr>
-            <p:cNvPr id="24" name="TextBox 23">
+        <p:pic>
+          <p:nvPicPr>
+            <p:cNvPr id="11" name="Picture 2" descr="UNIS - The university centre in Svalbard">
               <a:extLst>
                 <a:ext uri="{FF2B5EF4-FFF2-40B4-BE49-F238E27FC236}">
-                  <a16:creationId xmlns:a16="http://schemas.microsoft.com/office/drawing/2014/main" id="{1B538703-361B-3F8B-537E-BBCFEBB6CACC}"/>
-                </a:ext>
-              </a:extLst>
-            </p:cNvPr>
-            <p:cNvSpPr txBox="1"/>
-            <p:nvPr/>
-          </p:nvSpPr>
-          <p:spPr>
-            <a:xfrm>
-              <a:off x="854075" y="6521549"/>
-              <a:ext cx="3805382" cy="307777"/>
-            </a:xfrm>
-            <a:prstGeom prst="rect">
-              <a:avLst/>
-            </a:prstGeom>
-            <a:noFill/>
-          </p:spPr>
-          <p:txBody>
-            <a:bodyPr wrap="square" rtlCol="0">
-              <a:spAutoFit/>
-            </a:bodyPr>
-            <a:lstStyle/>
-            <a:p>
-              <a:r>
-                <a:rPr lang="nb-NO" sz="1400" i="1" dirty="0">
-                  <a:latin typeface="Arial" panose="020B0604020202020204" pitchFamily="34" charset="0"/>
-                  <a:cs typeface="Arial" panose="020B0604020202020204" pitchFamily="34" charset="0"/>
-                </a:rPr>
-                <a:t>FAIR digital documentation &amp; teaching</a:t>
-              </a:r>
-              <a:endParaRPr lang="en-US" sz="1400" i="1" dirty="0">
-                <a:latin typeface="Arial" panose="020B0604020202020204" pitchFamily="34" charset="0"/>
-                <a:cs typeface="Arial" panose="020B0604020202020204" pitchFamily="34" charset="0"/>
-              </a:endParaRPr>
-            </a:p>
-          </p:txBody>
-        </p:sp>
-        <p:pic>
-          <p:nvPicPr>
-            <p:cNvPr id="25" name="Picture 24" descr="A screenshot of a video game&#10;&#10;Description automatically generated">
-              <a:extLst>
-                <a:ext uri="{FF2B5EF4-FFF2-40B4-BE49-F238E27FC236}">
-                  <a16:creationId xmlns:a16="http://schemas.microsoft.com/office/drawing/2014/main" id="{5F21D3D7-314B-1C6E-B50E-93CFE61D5082}"/>
+                  <a16:creationId xmlns:a16="http://schemas.microsoft.com/office/drawing/2014/main" id="{7987A088-7191-D2AD-3485-6B9AC2C896EF}"/>
                 </a:ext>
               </a:extLst>
             </p:cNvPr>
             <p:cNvPicPr>
-              <a:picLocks noChangeAspect="1"/>
+              <a:picLocks noChangeAspect="1" noChangeArrowheads="1"/>
             </p:cNvPicPr>
             <p:nvPr/>
           </p:nvPicPr>
@@ -16067,26 +15709,37 @@
                 </a:ext>
               </a:extLst>
             </a:blip>
+            <a:srcRect/>
             <a:stretch>
               <a:fillRect/>
             </a:stretch>
           </p:blipFill>
-          <p:spPr>
+          <p:spPr bwMode="auto">
             <a:xfrm>
-              <a:off x="42671" y="6563571"/>
-              <a:ext cx="876716" cy="230005"/>
+              <a:off x="10413848" y="6443508"/>
+              <a:ext cx="1210145" cy="326740"/>
             </a:xfrm>
             <a:prstGeom prst="rect">
               <a:avLst/>
             </a:prstGeom>
+            <a:noFill/>
+            <a:extLst>
+              <a:ext uri="{909E8E84-426E-40DD-AFC4-6F175D3DCCD1}">
+                <a14:hiddenFill xmlns:a14="http://schemas.microsoft.com/office/drawing/2010/main">
+                  <a:solidFill>
+                    <a:srgbClr val="FFFFFF"/>
+                  </a:solidFill>
+                </a14:hiddenFill>
+              </a:ext>
+            </a:extLst>
           </p:spPr>
         </p:pic>
         <p:pic>
           <p:nvPicPr>
-            <p:cNvPr id="26" name="Picture 2" descr="UNIS - The university centre in Svalbard">
+            <p:cNvPr id="12" name="Picture 2" descr="Site is undergoing maintenance">
               <a:extLst>
                 <a:ext uri="{FF2B5EF4-FFF2-40B4-BE49-F238E27FC236}">
-                  <a16:creationId xmlns:a16="http://schemas.microsoft.com/office/drawing/2014/main" id="{3FBB4A11-E9C3-D45E-8EDE-6CF34C32E59B}"/>
+                  <a16:creationId xmlns:a16="http://schemas.microsoft.com/office/drawing/2014/main" id="{BC3FEB95-5DE2-9EB1-BEE9-EA78EE50F58A}"/>
                 </a:ext>
               </a:extLst>
             </p:cNvPr>
@@ -16110,8 +15763,8 @@
           </p:blipFill>
           <p:spPr bwMode="auto">
             <a:xfrm>
-              <a:off x="10413848" y="6443508"/>
-              <a:ext cx="1210145" cy="326740"/>
+              <a:off x="11766409" y="6449818"/>
+              <a:ext cx="283175" cy="326740"/>
             </a:xfrm>
             <a:prstGeom prst="rect">
               <a:avLst/>
@@ -16130,15 +15783,15 @@
         </p:pic>
         <p:pic>
           <p:nvPicPr>
-            <p:cNvPr id="27" name="Picture 2" descr="Site is undergoing maintenance">
+            <p:cNvPr id="14" name="Picture 13" descr="A black background with grey letters and a red triangle&#10;&#10;Description automatically generated">
               <a:extLst>
                 <a:ext uri="{FF2B5EF4-FFF2-40B4-BE49-F238E27FC236}">
-                  <a16:creationId xmlns:a16="http://schemas.microsoft.com/office/drawing/2014/main" id="{A9B52DA7-A2A2-0059-A038-02CDC274F002}"/>
+                  <a16:creationId xmlns:a16="http://schemas.microsoft.com/office/drawing/2014/main" id="{BCF7AAEC-087A-C0FA-7F64-F3C9F2298C24}"/>
                 </a:ext>
               </a:extLst>
             </p:cNvPr>
             <p:cNvPicPr>
-              <a:picLocks noChangeAspect="1" noChangeArrowheads="1"/>
+              <a:picLocks noChangeAspect="1"/>
             </p:cNvPicPr>
             <p:nvPr/>
           </p:nvPicPr>
@@ -16150,136 +15803,21 @@
                 </a:ext>
               </a:extLst>
             </a:blip>
-            <a:srcRect/>
             <a:stretch>
               <a:fillRect/>
             </a:stretch>
           </p:blipFill>
-          <p:spPr bwMode="auto">
+          <p:spPr>
             <a:xfrm>
-              <a:off x="11766409" y="6449818"/>
-              <a:ext cx="283175" cy="326740"/>
+              <a:off x="9704900" y="6486750"/>
+              <a:ext cx="580285" cy="270414"/>
             </a:xfrm>
             <a:prstGeom prst="rect">
               <a:avLst/>
             </a:prstGeom>
-            <a:noFill/>
-            <a:extLst>
-              <a:ext uri="{909E8E84-426E-40DD-AFC4-6F175D3DCCD1}">
-                <a14:hiddenFill xmlns:a14="http://schemas.microsoft.com/office/drawing/2010/main">
-                  <a:solidFill>
-                    <a:srgbClr val="FFFFFF"/>
-                  </a:solidFill>
-                </a14:hiddenFill>
-              </a:ext>
-            </a:extLst>
           </p:spPr>
         </p:pic>
       </p:grpSp>
-      <p:sp>
-        <p:nvSpPr>
-          <p:cNvPr id="2" name="Title 1">
-            <a:extLst>
-              <a:ext uri="{FF2B5EF4-FFF2-40B4-BE49-F238E27FC236}">
-                <a16:creationId xmlns:a16="http://schemas.microsoft.com/office/drawing/2014/main" id="{044D5C86-6C13-B385-18EB-CE82554A07BC}"/>
-              </a:ext>
-            </a:extLst>
-          </p:cNvPr>
-          <p:cNvSpPr>
-            <a:spLocks noGrp="1"/>
-          </p:cNvSpPr>
-          <p:nvPr>
-            <p:ph type="title"/>
-          </p:nvPr>
-        </p:nvSpPr>
-        <p:spPr>
-          <a:xfrm>
-            <a:off x="1676400" y="-7563"/>
-            <a:ext cx="10515600" cy="1325563"/>
-          </a:xfrm>
-        </p:spPr>
-        <p:txBody>
-          <a:bodyPr>
-            <a:normAutofit/>
-          </a:bodyPr>
-          <a:lstStyle/>
-          <a:p>
-            <a:r>
-              <a:rPr lang="nb-NO" sz="3600" dirty="0"/>
-              <a:t>Disadvantages?</a:t>
-            </a:r>
-            <a:endParaRPr lang="en-US" sz="3600" dirty="0"/>
-          </a:p>
-        </p:txBody>
-      </p:sp>
-      <p:sp>
-        <p:nvSpPr>
-          <p:cNvPr id="16" name="Content Placeholder 15">
-            <a:extLst>
-              <a:ext uri="{FF2B5EF4-FFF2-40B4-BE49-F238E27FC236}">
-                <a16:creationId xmlns:a16="http://schemas.microsoft.com/office/drawing/2014/main" id="{F0EBAB87-7F21-FF9A-9865-FBBE8D2E14EC}"/>
-              </a:ext>
-            </a:extLst>
-          </p:cNvPr>
-          <p:cNvSpPr>
-            <a:spLocks noGrp="1"/>
-          </p:cNvSpPr>
-          <p:nvPr>
-            <p:ph idx="1"/>
-          </p:nvPr>
-        </p:nvSpPr>
-        <p:spPr>
-          <a:xfrm>
-            <a:off x="838200" y="1825625"/>
-            <a:ext cx="10515600" cy="4351338"/>
-          </a:xfrm>
-        </p:spPr>
-        <p:txBody>
-          <a:bodyPr/>
-          <a:lstStyle/>
-          <a:p>
-            <a:r>
-              <a:rPr lang="en-US" dirty="0"/>
-              <a:t>Need for light</a:t>
-            </a:r>
-          </a:p>
-          <a:p>
-            <a:r>
-              <a:rPr lang="en-US" dirty="0"/>
-              <a:t>Occlusions and visibility constraints</a:t>
-            </a:r>
-          </a:p>
-          <a:p>
-            <a:pPr lvl="1"/>
-            <a:r>
-              <a:rPr lang="en-US" dirty="0"/>
-              <a:t>E.g. Can we get the object imaged from every angle?</a:t>
-            </a:r>
-          </a:p>
-          <a:p>
-            <a:r>
-              <a:rPr lang="en-US" dirty="0"/>
-              <a:t>3D world to 2D image projection</a:t>
-            </a:r>
-          </a:p>
-          <a:p>
-            <a:pPr lvl="1"/>
-            <a:r>
-              <a:rPr lang="en-US" dirty="0"/>
-              <a:t>Distortions? Artefacts? </a:t>
-            </a:r>
-          </a:p>
-          <a:p>
-            <a:r>
-              <a:rPr lang="en-US" dirty="0"/>
-              <a:t>Lesser accuracy/details than other techniques</a:t>
-            </a:r>
-          </a:p>
-          <a:p>
-            <a:endParaRPr lang="en-US" dirty="0"/>
-          </a:p>
-        </p:txBody>
-      </p:sp>
     </p:spTree>
     <p:extLst>
       <p:ext uri="{BB962C8B-B14F-4D97-AF65-F5344CB8AC3E}">
